--- a/week04/07.Functions2.pptx
+++ b/week04/07.Functions2.pptx
@@ -7,36 +7,44 @@
     <p:sldMasterId id="2147483731" r:id="rId3"/>
   </p:sldMasterIdLst>
   <p:notesMasterIdLst>
-    <p:notesMasterId r:id="rId21"/>
+    <p:notesMasterId r:id="rId22"/>
   </p:notesMasterIdLst>
   <p:sldIdLst>
     <p:sldId id="285" r:id="rId4"/>
     <p:sldId id="283" r:id="rId5"/>
     <p:sldId id="311" r:id="rId6"/>
     <p:sldId id="257" r:id="rId7"/>
-    <p:sldId id="317" r:id="rId8"/>
-    <p:sldId id="315" r:id="rId9"/>
-    <p:sldId id="316" r:id="rId10"/>
-    <p:sldId id="288" r:id="rId11"/>
-    <p:sldId id="323" r:id="rId12"/>
-    <p:sldId id="313" r:id="rId13"/>
-    <p:sldId id="314" r:id="rId14"/>
-    <p:sldId id="324" r:id="rId15"/>
-    <p:sldId id="325" r:id="rId16"/>
-    <p:sldId id="318" r:id="rId17"/>
-    <p:sldId id="320" r:id="rId18"/>
-    <p:sldId id="321" r:id="rId19"/>
-    <p:sldId id="322" r:id="rId20"/>
+    <p:sldId id="327" r:id="rId8"/>
+    <p:sldId id="328" r:id="rId9"/>
+    <p:sldId id="317" r:id="rId10"/>
+    <p:sldId id="326" r:id="rId11"/>
+    <p:sldId id="330" r:id="rId12"/>
+    <p:sldId id="315" r:id="rId13"/>
+    <p:sldId id="329" r:id="rId14"/>
+    <p:sldId id="316" r:id="rId15"/>
+    <p:sldId id="288" r:id="rId16"/>
+    <p:sldId id="323" r:id="rId17"/>
+    <p:sldId id="313" r:id="rId18"/>
+    <p:sldId id="314" r:id="rId19"/>
+    <p:sldId id="324" r:id="rId20"/>
+    <p:sldId id="325" r:id="rId21"/>
   </p:sldIdLst>
   <p:sldSz cx="16256000" cy="9144000"/>
   <p:notesSz cx="6858000" cy="9144000"/>
   <p:embeddedFontLst>
     <p:embeddedFont>
-      <p:font typeface="Cabin" panose="020B0604020202020204" charset="0"/>
-      <p:regular r:id="rId22"/>
-      <p:bold r:id="rId23"/>
-      <p:italic r:id="rId24"/>
-      <p:boldItalic r:id="rId25"/>
+      <p:font typeface="Consolas" pitchFamily="49" charset="0"/>
+      <p:regular r:id="rId23"/>
+      <p:bold r:id="rId24"/>
+      <p:italic r:id="rId25"/>
+      <p:boldItalic r:id="rId26"/>
+    </p:embeddedFont>
+    <p:embeddedFont>
+      <p:font typeface="Cabin" charset="0"/>
+      <p:regular r:id="rId27"/>
+      <p:bold r:id="rId28"/>
+      <p:italic r:id="rId29"/>
+      <p:boldItalic r:id="rId30"/>
     </p:embeddedFont>
   </p:embeddedFontLst>
   <p:defaultTextStyle>
@@ -243,7 +251,7 @@
   </p:defaultTextStyle>
   <p:extLst>
     <p:ext uri="{EFAFB233-063F-42B5-8137-9DF3F51BA10A}">
-      <p15:sldGuideLst xmlns:p15="http://schemas.microsoft.com/office/powerpoint/2012/main">
+      <p15:sldGuideLst xmlns="" xmlns:p15="http://schemas.microsoft.com/office/powerpoint/2012/main">
         <p15:guide id="1" orient="horz" pos="2880">
           <p15:clr>
             <a:srgbClr val="A4A3A4"/>
@@ -740,7 +748,7 @@
     </p:spTree>
     <p:extLst>
       <p:ext uri="{BB962C8B-B14F-4D97-AF65-F5344CB8AC3E}">
-        <p14:creationId xmlns:p14="http://schemas.microsoft.com/office/powerpoint/2010/main" val="2797685341"/>
+        <p14:creationId xmlns:p14="http://schemas.microsoft.com/office/powerpoint/2010/main" val="1324801694"/>
       </p:ext>
     </p:extLst>
   </p:cSld>
@@ -850,7 +858,7 @@
     </p:spTree>
     <p:extLst>
       <p:ext uri="{BB962C8B-B14F-4D97-AF65-F5344CB8AC3E}">
-        <p14:creationId xmlns:p14="http://schemas.microsoft.com/office/powerpoint/2010/main" val="1115119892"/>
+        <p14:creationId xmlns:p14="http://schemas.microsoft.com/office/powerpoint/2010/main" val="2549240625"/>
       </p:ext>
     </p:extLst>
   </p:cSld>
@@ -960,7 +968,7 @@
     </p:spTree>
     <p:extLst>
       <p:ext uri="{BB962C8B-B14F-4D97-AF65-F5344CB8AC3E}">
-        <p14:creationId xmlns:p14="http://schemas.microsoft.com/office/powerpoint/2010/main" val="2188512029"/>
+        <p14:creationId xmlns:p14="http://schemas.microsoft.com/office/powerpoint/2010/main" val="872105069"/>
       </p:ext>
     </p:extLst>
   </p:cSld>
@@ -1070,7 +1078,7 @@
     </p:spTree>
     <p:extLst>
       <p:ext uri="{BB962C8B-B14F-4D97-AF65-F5344CB8AC3E}">
-        <p14:creationId xmlns:p14="http://schemas.microsoft.com/office/powerpoint/2010/main" val="1515860995"/>
+        <p14:creationId xmlns:p14="http://schemas.microsoft.com/office/powerpoint/2010/main" val="3256884026"/>
       </p:ext>
     </p:extLst>
   </p:cSld>
@@ -1180,7 +1188,7 @@
     </p:spTree>
     <p:extLst>
       <p:ext uri="{BB962C8B-B14F-4D97-AF65-F5344CB8AC3E}">
-        <p14:creationId xmlns:p14="http://schemas.microsoft.com/office/powerpoint/2010/main" val="324783794"/>
+        <p14:creationId xmlns:p14="http://schemas.microsoft.com/office/powerpoint/2010/main" val="2586590038"/>
       </p:ext>
     </p:extLst>
   </p:cSld>
@@ -1290,7 +1298,117 @@
     </p:spTree>
     <p:extLst>
       <p:ext uri="{BB962C8B-B14F-4D97-AF65-F5344CB8AC3E}">
-        <p14:creationId xmlns:p14="http://schemas.microsoft.com/office/powerpoint/2010/main" val="1337526625"/>
+        <p14:creationId xmlns:p14="http://schemas.microsoft.com/office/powerpoint/2010/main" val="2797685341"/>
+      </p:ext>
+    </p:extLst>
+  </p:cSld>
+  <p:clrMapOvr>
+    <a:masterClrMapping/>
+  </p:clrMapOvr>
+</p:notes>
+</file>
+
+<file path=ppt/notesSlides/notesSlide16.xml><?xml version="1.0" encoding="utf-8"?>
+<p:notes xmlns:a="http://schemas.openxmlformats.org/drawingml/2006/main" xmlns:r="http://schemas.openxmlformats.org/officeDocument/2006/relationships" xmlns:p="http://schemas.openxmlformats.org/presentationml/2006/main" showMasterSp="0" showMasterPhAnim="0">
+  <p:cSld>
+    <p:spTree>
+      <p:nvGrpSpPr>
+        <p:cNvPr id="1" name="Shape 209"/>
+        <p:cNvGrpSpPr/>
+        <p:nvPr/>
+      </p:nvGrpSpPr>
+      <p:grpSpPr>
+        <a:xfrm>
+          <a:off x="0" y="0"/>
+          <a:ext cx="0" cy="0"/>
+          <a:chOff x="0" y="0"/>
+          <a:chExt cx="0" cy="0"/>
+        </a:xfrm>
+      </p:grpSpPr>
+      <p:sp>
+        <p:nvSpPr>
+          <p:cNvPr id="210" name="Shape 210"/>
+          <p:cNvSpPr txBox="1">
+            <a:spLocks noGrp="1"/>
+          </p:cNvSpPr>
+          <p:nvPr>
+            <p:ph type="body" idx="1"/>
+          </p:nvPr>
+        </p:nvSpPr>
+        <p:spPr>
+          <a:xfrm>
+            <a:off x="685800" y="4343400"/>
+            <a:ext cx="5486399" cy="4114800"/>
+          </a:xfrm>
+          <a:prstGeom prst="rect">
+            <a:avLst/>
+          </a:prstGeom>
+          <a:noFill/>
+          <a:ln>
+            <a:noFill/>
+          </a:ln>
+        </p:spPr>
+        <p:txBody>
+          <a:bodyPr lIns="91425" tIns="91425" rIns="91425" bIns="91425" anchor="ctr" anchorCtr="0">
+            <a:noAutofit/>
+          </a:bodyPr>
+          <a:lstStyle/>
+          <a:p>
+            <a:pPr lvl="0">
+              <a:spcBef>
+                <a:spcPts val="0"/>
+              </a:spcBef>
+              <a:buNone/>
+            </a:pPr>
+            <a:endParaRPr/>
+          </a:p>
+        </p:txBody>
+      </p:sp>
+      <p:sp>
+        <p:nvSpPr>
+          <p:cNvPr id="211" name="Shape 211"/>
+          <p:cNvSpPr>
+            <a:spLocks noGrp="1" noRot="1" noChangeAspect="1"/>
+          </p:cNvSpPr>
+          <p:nvPr>
+            <p:ph type="sldImg" idx="2"/>
+          </p:nvPr>
+        </p:nvSpPr>
+        <p:spPr>
+          <a:xfrm>
+            <a:off x="381000" y="685800"/>
+            <a:ext cx="6096000" cy="3429000"/>
+          </a:xfrm>
+          <a:custGeom>
+            <a:avLst/>
+            <a:gdLst/>
+            <a:ahLst/>
+            <a:cxnLst/>
+            <a:rect l="0" t="0" r="0" b="0"/>
+            <a:pathLst>
+              <a:path w="120000" h="120000" extrusionOk="0">
+                <a:moveTo>
+                  <a:pt x="0" y="0"/>
+                </a:moveTo>
+                <a:lnTo>
+                  <a:pt x="120000" y="0"/>
+                </a:lnTo>
+                <a:lnTo>
+                  <a:pt x="120000" y="120000"/>
+                </a:lnTo>
+                <a:lnTo>
+                  <a:pt x="0" y="120000"/>
+                </a:lnTo>
+                <a:close/>
+              </a:path>
+            </a:pathLst>
+          </a:custGeom>
+        </p:spPr>
+      </p:sp>
+    </p:spTree>
+    <p:extLst>
+      <p:ext uri="{BB962C8B-B14F-4D97-AF65-F5344CB8AC3E}">
+        <p14:creationId xmlns:p14="http://schemas.microsoft.com/office/powerpoint/2010/main" val="1115119892"/>
       </p:ext>
     </p:extLst>
   </p:cSld>
@@ -1503,6 +1621,216 @@
         </p:spPr>
       </p:sp>
     </p:spTree>
+  </p:cSld>
+  <p:clrMapOvr>
+    <a:masterClrMapping/>
+  </p:clrMapOvr>
+</p:notes>
+</file>
+
+<file path=ppt/notesSlides/notesSlide4.xml><?xml version="1.0" encoding="utf-8"?>
+<p:notes xmlns:a="http://schemas.openxmlformats.org/drawingml/2006/main" xmlns:r="http://schemas.openxmlformats.org/officeDocument/2006/relationships" xmlns:p="http://schemas.openxmlformats.org/presentationml/2006/main" showMasterSp="0" showMasterPhAnim="0">
+  <p:cSld>
+    <p:spTree>
+      <p:nvGrpSpPr>
+        <p:cNvPr id="1" name="Shape 209"/>
+        <p:cNvGrpSpPr/>
+        <p:nvPr/>
+      </p:nvGrpSpPr>
+      <p:grpSpPr>
+        <a:xfrm>
+          <a:off x="0" y="0"/>
+          <a:ext cx="0" cy="0"/>
+          <a:chOff x="0" y="0"/>
+          <a:chExt cx="0" cy="0"/>
+        </a:xfrm>
+      </p:grpSpPr>
+      <p:sp>
+        <p:nvSpPr>
+          <p:cNvPr id="210" name="Shape 210"/>
+          <p:cNvSpPr txBox="1">
+            <a:spLocks noGrp="1"/>
+          </p:cNvSpPr>
+          <p:nvPr>
+            <p:ph type="body" idx="1"/>
+          </p:nvPr>
+        </p:nvSpPr>
+        <p:spPr>
+          <a:xfrm>
+            <a:off x="685800" y="4343400"/>
+            <a:ext cx="5486399" cy="4114800"/>
+          </a:xfrm>
+          <a:prstGeom prst="rect">
+            <a:avLst/>
+          </a:prstGeom>
+          <a:noFill/>
+          <a:ln>
+            <a:noFill/>
+          </a:ln>
+        </p:spPr>
+        <p:txBody>
+          <a:bodyPr lIns="91425" tIns="91425" rIns="91425" bIns="91425" anchor="ctr" anchorCtr="0">
+            <a:noAutofit/>
+          </a:bodyPr>
+          <a:lstStyle/>
+          <a:p>
+            <a:pPr lvl="0">
+              <a:spcBef>
+                <a:spcPts val="0"/>
+              </a:spcBef>
+              <a:buNone/>
+            </a:pPr>
+            <a:endParaRPr/>
+          </a:p>
+        </p:txBody>
+      </p:sp>
+      <p:sp>
+        <p:nvSpPr>
+          <p:cNvPr id="211" name="Shape 211"/>
+          <p:cNvSpPr>
+            <a:spLocks noGrp="1" noRot="1" noChangeAspect="1"/>
+          </p:cNvSpPr>
+          <p:nvPr>
+            <p:ph type="sldImg" idx="2"/>
+          </p:nvPr>
+        </p:nvSpPr>
+        <p:spPr>
+          <a:xfrm>
+            <a:off x="381000" y="685800"/>
+            <a:ext cx="6096000" cy="3429000"/>
+          </a:xfrm>
+          <a:custGeom>
+            <a:avLst/>
+            <a:gdLst/>
+            <a:ahLst/>
+            <a:cxnLst/>
+            <a:rect l="0" t="0" r="0" b="0"/>
+            <a:pathLst>
+              <a:path w="120000" h="120000" extrusionOk="0">
+                <a:moveTo>
+                  <a:pt x="0" y="0"/>
+                </a:moveTo>
+                <a:lnTo>
+                  <a:pt x="120000" y="0"/>
+                </a:lnTo>
+                <a:lnTo>
+                  <a:pt x="120000" y="120000"/>
+                </a:lnTo>
+                <a:lnTo>
+                  <a:pt x="0" y="120000"/>
+                </a:lnTo>
+                <a:close/>
+              </a:path>
+            </a:pathLst>
+          </a:custGeom>
+        </p:spPr>
+      </p:sp>
+    </p:spTree>
+  </p:cSld>
+  <p:clrMapOvr>
+    <a:masterClrMapping/>
+  </p:clrMapOvr>
+</p:notes>
+</file>
+
+<file path=ppt/notesSlides/notesSlide5.xml><?xml version="1.0" encoding="utf-8"?>
+<p:notes xmlns:a="http://schemas.openxmlformats.org/drawingml/2006/main" xmlns:r="http://schemas.openxmlformats.org/officeDocument/2006/relationships" xmlns:p="http://schemas.openxmlformats.org/presentationml/2006/main" showMasterSp="0" showMasterPhAnim="0">
+  <p:cSld>
+    <p:spTree>
+      <p:nvGrpSpPr>
+        <p:cNvPr id="1" name="Shape 209"/>
+        <p:cNvGrpSpPr/>
+        <p:nvPr/>
+      </p:nvGrpSpPr>
+      <p:grpSpPr>
+        <a:xfrm>
+          <a:off x="0" y="0"/>
+          <a:ext cx="0" cy="0"/>
+          <a:chOff x="0" y="0"/>
+          <a:chExt cx="0" cy="0"/>
+        </a:xfrm>
+      </p:grpSpPr>
+      <p:sp>
+        <p:nvSpPr>
+          <p:cNvPr id="210" name="Shape 210"/>
+          <p:cNvSpPr txBox="1">
+            <a:spLocks noGrp="1"/>
+          </p:cNvSpPr>
+          <p:nvPr>
+            <p:ph type="body" idx="1"/>
+          </p:nvPr>
+        </p:nvSpPr>
+        <p:spPr>
+          <a:xfrm>
+            <a:off x="685800" y="4343400"/>
+            <a:ext cx="5486399" cy="4114800"/>
+          </a:xfrm>
+          <a:prstGeom prst="rect">
+            <a:avLst/>
+          </a:prstGeom>
+          <a:noFill/>
+          <a:ln>
+            <a:noFill/>
+          </a:ln>
+        </p:spPr>
+        <p:txBody>
+          <a:bodyPr lIns="91425" tIns="91425" rIns="91425" bIns="91425" anchor="ctr" anchorCtr="0">
+            <a:noAutofit/>
+          </a:bodyPr>
+          <a:lstStyle/>
+          <a:p>
+            <a:pPr lvl="0">
+              <a:spcBef>
+                <a:spcPts val="0"/>
+              </a:spcBef>
+              <a:buNone/>
+            </a:pPr>
+            <a:endParaRPr/>
+          </a:p>
+        </p:txBody>
+      </p:sp>
+      <p:sp>
+        <p:nvSpPr>
+          <p:cNvPr id="211" name="Shape 211"/>
+          <p:cNvSpPr>
+            <a:spLocks noGrp="1" noRot="1" noChangeAspect="1"/>
+          </p:cNvSpPr>
+          <p:nvPr>
+            <p:ph type="sldImg" idx="2"/>
+          </p:nvPr>
+        </p:nvSpPr>
+        <p:spPr>
+          <a:xfrm>
+            <a:off x="381000" y="685800"/>
+            <a:ext cx="6096000" cy="3429000"/>
+          </a:xfrm>
+          <a:custGeom>
+            <a:avLst/>
+            <a:gdLst/>
+            <a:ahLst/>
+            <a:cxnLst/>
+            <a:rect l="0" t="0" r="0" b="0"/>
+            <a:pathLst>
+              <a:path w="120000" h="120000" extrusionOk="0">
+                <a:moveTo>
+                  <a:pt x="0" y="0"/>
+                </a:moveTo>
+                <a:lnTo>
+                  <a:pt x="120000" y="0"/>
+                </a:lnTo>
+                <a:lnTo>
+                  <a:pt x="120000" y="120000"/>
+                </a:lnTo>
+                <a:lnTo>
+                  <a:pt x="0" y="120000"/>
+                </a:lnTo>
+                <a:close/>
+              </a:path>
+            </a:pathLst>
+          </a:custGeom>
+        </p:spPr>
+      </p:sp>
+    </p:spTree>
     <p:extLst>
       <p:ext uri="{BB962C8B-B14F-4D97-AF65-F5344CB8AC3E}">
         <p14:creationId xmlns:p14="http://schemas.microsoft.com/office/powerpoint/2010/main" val="1600516803"/>
@@ -1515,7 +1843,7 @@
 </p:notes>
 </file>
 
-<file path=ppt/notesSlides/notesSlide4.xml><?xml version="1.0" encoding="utf-8"?>
+<file path=ppt/notesSlides/notesSlide6.xml><?xml version="1.0" encoding="utf-8"?>
 <p:notes xmlns:a="http://schemas.openxmlformats.org/drawingml/2006/main" xmlns:r="http://schemas.openxmlformats.org/officeDocument/2006/relationships" xmlns:p="http://schemas.openxmlformats.org/presentationml/2006/main" showMasterSp="0" showMasterPhAnim="0">
   <p:cSld>
     <p:spTree>
@@ -1625,7 +1953,7 @@
 </p:notes>
 </file>
 
-<file path=ppt/notesSlides/notesSlide5.xml><?xml version="1.0" encoding="utf-8"?>
+<file path=ppt/notesSlides/notesSlide7.xml><?xml version="1.0" encoding="utf-8"?>
 <p:notes xmlns:a="http://schemas.openxmlformats.org/drawingml/2006/main" xmlns:r="http://schemas.openxmlformats.org/officeDocument/2006/relationships" xmlns:p="http://schemas.openxmlformats.org/presentationml/2006/main" showMasterSp="0" showMasterPhAnim="0">
   <p:cSld>
     <p:spTree>
@@ -1725,227 +2053,7 @@
     </p:spTree>
     <p:extLst>
       <p:ext uri="{BB962C8B-B14F-4D97-AF65-F5344CB8AC3E}">
-        <p14:creationId xmlns:p14="http://schemas.microsoft.com/office/powerpoint/2010/main" val="1324801694"/>
-      </p:ext>
-    </p:extLst>
-  </p:cSld>
-  <p:clrMapOvr>
-    <a:masterClrMapping/>
-  </p:clrMapOvr>
-</p:notes>
-</file>
-
-<file path=ppt/notesSlides/notesSlide6.xml><?xml version="1.0" encoding="utf-8"?>
-<p:notes xmlns:a="http://schemas.openxmlformats.org/drawingml/2006/main" xmlns:r="http://schemas.openxmlformats.org/officeDocument/2006/relationships" xmlns:p="http://schemas.openxmlformats.org/presentationml/2006/main" showMasterSp="0" showMasterPhAnim="0">
-  <p:cSld>
-    <p:spTree>
-      <p:nvGrpSpPr>
-        <p:cNvPr id="1" name="Shape 209"/>
-        <p:cNvGrpSpPr/>
-        <p:nvPr/>
-      </p:nvGrpSpPr>
-      <p:grpSpPr>
-        <a:xfrm>
-          <a:off x="0" y="0"/>
-          <a:ext cx="0" cy="0"/>
-          <a:chOff x="0" y="0"/>
-          <a:chExt cx="0" cy="0"/>
-        </a:xfrm>
-      </p:grpSpPr>
-      <p:sp>
-        <p:nvSpPr>
-          <p:cNvPr id="210" name="Shape 210"/>
-          <p:cNvSpPr txBox="1">
-            <a:spLocks noGrp="1"/>
-          </p:cNvSpPr>
-          <p:nvPr>
-            <p:ph type="body" idx="1"/>
-          </p:nvPr>
-        </p:nvSpPr>
-        <p:spPr>
-          <a:xfrm>
-            <a:off x="685800" y="4343400"/>
-            <a:ext cx="5486399" cy="4114800"/>
-          </a:xfrm>
-          <a:prstGeom prst="rect">
-            <a:avLst/>
-          </a:prstGeom>
-          <a:noFill/>
-          <a:ln>
-            <a:noFill/>
-          </a:ln>
-        </p:spPr>
-        <p:txBody>
-          <a:bodyPr lIns="91425" tIns="91425" rIns="91425" bIns="91425" anchor="ctr" anchorCtr="0">
-            <a:noAutofit/>
-          </a:bodyPr>
-          <a:lstStyle/>
-          <a:p>
-            <a:pPr lvl="0">
-              <a:spcBef>
-                <a:spcPts val="0"/>
-              </a:spcBef>
-              <a:buNone/>
-            </a:pPr>
-            <a:endParaRPr/>
-          </a:p>
-        </p:txBody>
-      </p:sp>
-      <p:sp>
-        <p:nvSpPr>
-          <p:cNvPr id="211" name="Shape 211"/>
-          <p:cNvSpPr>
-            <a:spLocks noGrp="1" noRot="1" noChangeAspect="1"/>
-          </p:cNvSpPr>
-          <p:nvPr>
-            <p:ph type="sldImg" idx="2"/>
-          </p:nvPr>
-        </p:nvSpPr>
-        <p:spPr>
-          <a:xfrm>
-            <a:off x="381000" y="685800"/>
-            <a:ext cx="6096000" cy="3429000"/>
-          </a:xfrm>
-          <a:custGeom>
-            <a:avLst/>
-            <a:gdLst/>
-            <a:ahLst/>
-            <a:cxnLst/>
-            <a:rect l="0" t="0" r="0" b="0"/>
-            <a:pathLst>
-              <a:path w="120000" h="120000" extrusionOk="0">
-                <a:moveTo>
-                  <a:pt x="0" y="0"/>
-                </a:moveTo>
-                <a:lnTo>
-                  <a:pt x="120000" y="0"/>
-                </a:lnTo>
-                <a:lnTo>
-                  <a:pt x="120000" y="120000"/>
-                </a:lnTo>
-                <a:lnTo>
-                  <a:pt x="0" y="120000"/>
-                </a:lnTo>
-                <a:close/>
-              </a:path>
-            </a:pathLst>
-          </a:custGeom>
-        </p:spPr>
-      </p:sp>
-    </p:spTree>
-    <p:extLst>
-      <p:ext uri="{BB962C8B-B14F-4D97-AF65-F5344CB8AC3E}">
-        <p14:creationId xmlns:p14="http://schemas.microsoft.com/office/powerpoint/2010/main" val="2549240625"/>
-      </p:ext>
-    </p:extLst>
-  </p:cSld>
-  <p:clrMapOvr>
-    <a:masterClrMapping/>
-  </p:clrMapOvr>
-</p:notes>
-</file>
-
-<file path=ppt/notesSlides/notesSlide7.xml><?xml version="1.0" encoding="utf-8"?>
-<p:notes xmlns:a="http://schemas.openxmlformats.org/drawingml/2006/main" xmlns:r="http://schemas.openxmlformats.org/officeDocument/2006/relationships" xmlns:p="http://schemas.openxmlformats.org/presentationml/2006/main" showMasterSp="0" showMasterPhAnim="0">
-  <p:cSld>
-    <p:spTree>
-      <p:nvGrpSpPr>
-        <p:cNvPr id="1" name="Shape 209"/>
-        <p:cNvGrpSpPr/>
-        <p:nvPr/>
-      </p:nvGrpSpPr>
-      <p:grpSpPr>
-        <a:xfrm>
-          <a:off x="0" y="0"/>
-          <a:ext cx="0" cy="0"/>
-          <a:chOff x="0" y="0"/>
-          <a:chExt cx="0" cy="0"/>
-        </a:xfrm>
-      </p:grpSpPr>
-      <p:sp>
-        <p:nvSpPr>
-          <p:cNvPr id="210" name="Shape 210"/>
-          <p:cNvSpPr txBox="1">
-            <a:spLocks noGrp="1"/>
-          </p:cNvSpPr>
-          <p:nvPr>
-            <p:ph type="body" idx="1"/>
-          </p:nvPr>
-        </p:nvSpPr>
-        <p:spPr>
-          <a:xfrm>
-            <a:off x="685800" y="4343400"/>
-            <a:ext cx="5486399" cy="4114800"/>
-          </a:xfrm>
-          <a:prstGeom prst="rect">
-            <a:avLst/>
-          </a:prstGeom>
-          <a:noFill/>
-          <a:ln>
-            <a:noFill/>
-          </a:ln>
-        </p:spPr>
-        <p:txBody>
-          <a:bodyPr lIns="91425" tIns="91425" rIns="91425" bIns="91425" anchor="ctr" anchorCtr="0">
-            <a:noAutofit/>
-          </a:bodyPr>
-          <a:lstStyle/>
-          <a:p>
-            <a:pPr lvl="0">
-              <a:spcBef>
-                <a:spcPts val="0"/>
-              </a:spcBef>
-              <a:buNone/>
-            </a:pPr>
-            <a:endParaRPr/>
-          </a:p>
-        </p:txBody>
-      </p:sp>
-      <p:sp>
-        <p:nvSpPr>
-          <p:cNvPr id="211" name="Shape 211"/>
-          <p:cNvSpPr>
-            <a:spLocks noGrp="1" noRot="1" noChangeAspect="1"/>
-          </p:cNvSpPr>
-          <p:nvPr>
-            <p:ph type="sldImg" idx="2"/>
-          </p:nvPr>
-        </p:nvSpPr>
-        <p:spPr>
-          <a:xfrm>
-            <a:off x="381000" y="685800"/>
-            <a:ext cx="6096000" cy="3429000"/>
-          </a:xfrm>
-          <a:custGeom>
-            <a:avLst/>
-            <a:gdLst/>
-            <a:ahLst/>
-            <a:cxnLst/>
-            <a:rect l="0" t="0" r="0" b="0"/>
-            <a:pathLst>
-              <a:path w="120000" h="120000" extrusionOk="0">
-                <a:moveTo>
-                  <a:pt x="0" y="0"/>
-                </a:moveTo>
-                <a:lnTo>
-                  <a:pt x="120000" y="0"/>
-                </a:lnTo>
-                <a:lnTo>
-                  <a:pt x="120000" y="120000"/>
-                </a:lnTo>
-                <a:lnTo>
-                  <a:pt x="0" y="120000"/>
-                </a:lnTo>
-                <a:close/>
-              </a:path>
-            </a:pathLst>
-          </a:custGeom>
-        </p:spPr>
-      </p:sp>
-    </p:spTree>
-    <p:extLst>
-      <p:ext uri="{BB962C8B-B14F-4D97-AF65-F5344CB8AC3E}">
-        <p14:creationId xmlns:p14="http://schemas.microsoft.com/office/powerpoint/2010/main" val="872105069"/>
+        <p14:creationId xmlns:p14="http://schemas.microsoft.com/office/powerpoint/2010/main" val="3064490581"/>
       </p:ext>
     </p:extLst>
   </p:cSld>
@@ -2055,7 +2163,7 @@
     </p:spTree>
     <p:extLst>
       <p:ext uri="{BB962C8B-B14F-4D97-AF65-F5344CB8AC3E}">
-        <p14:creationId xmlns:p14="http://schemas.microsoft.com/office/powerpoint/2010/main" val="3256884026"/>
+        <p14:creationId xmlns:p14="http://schemas.microsoft.com/office/powerpoint/2010/main" val="3064490581"/>
       </p:ext>
     </p:extLst>
   </p:cSld>
@@ -2165,7 +2273,7 @@
     </p:spTree>
     <p:extLst>
       <p:ext uri="{BB962C8B-B14F-4D97-AF65-F5344CB8AC3E}">
-        <p14:creationId xmlns:p14="http://schemas.microsoft.com/office/powerpoint/2010/main" val="2586590038"/>
+        <p14:creationId xmlns:p14="http://schemas.microsoft.com/office/powerpoint/2010/main" val="3064490581"/>
       </p:ext>
     </p:extLst>
   </p:cSld>
@@ -13055,13 +13163,18 @@
               <a:t>Лекция </a:t>
             </a:r>
             <a:r>
-              <a:rPr lang="ru-RU" sz="3200" dirty="0">
+              <a:rPr lang="en-US" sz="3200" dirty="0">
                 <a:solidFill>
                   <a:schemeClr val="tx1"/>
                 </a:solidFill>
               </a:rPr>
-              <a:t>7</a:t>
-            </a:r>
+              <a:t>8</a:t>
+            </a:r>
+            <a:endParaRPr lang="ru-RU" sz="3200" dirty="0">
+              <a:solidFill>
+                <a:schemeClr val="tx1"/>
+              </a:solidFill>
+            </a:endParaRPr>
           </a:p>
           <a:p>
             <a:pPr lvl="0"/>
@@ -13088,6 +13201,25 @@
                 </a:solidFill>
               </a:rPr>
               <a:t>)</a:t>
+            </a:r>
+          </a:p>
+          <a:p>
+            <a:pPr lvl="0"/>
+            <a:r>
+              <a:rPr lang="ru-RU" sz="3200" dirty="0" smtClean="0">
+                <a:solidFill>
+                  <a:schemeClr val="tx1"/>
+                </a:solidFill>
+              </a:rPr>
+              <a:t>Пакеты (</a:t>
+            </a:r>
+            <a:r>
+              <a:rPr lang="en-US" sz="3200" dirty="0" smtClean="0">
+                <a:solidFill>
+                  <a:schemeClr val="tx1"/>
+                </a:solidFill>
+              </a:rPr>
+              <a:t>modules)</a:t>
             </a:r>
             <a:endParaRPr lang="ru-RU" sz="3200" dirty="0" smtClean="0">
               <a:solidFill>
@@ -13158,7 +13290,7 @@
         </p:nvSpPr>
         <p:spPr>
           <a:xfrm>
-            <a:off x="1155700" y="241300"/>
+            <a:off x="1029750" y="230745"/>
             <a:ext cx="13931900" cy="2298699"/>
           </a:xfrm>
           <a:prstGeom prst="rect">
@@ -13182,28 +13314,8 @@
               <a:buSzPct val="25000"/>
             </a:pPr>
             <a:r>
-              <a:rPr lang="ru-RU" sz="6600" dirty="0" smtClean="0">
-                <a:solidFill>
-                  <a:schemeClr val="bg2"/>
-                </a:solidFill>
-                <a:latin typeface="Cabin"/>
-                <a:ea typeface="Cabin"/>
-                <a:cs typeface="Cabin"/>
-                <a:sym typeface="Cabin"/>
-              </a:rPr>
-              <a:t>Лямбда </a:t>
-            </a:r>
-            <a:r>
-              <a:rPr lang="ru-RU" sz="6600" dirty="0" smtClean="0">
-                <a:solidFill>
-                  <a:schemeClr val="bg2"/>
-                </a:solidFill>
-                <a:latin typeface="Cabin"/>
-                <a:ea typeface="Cabin"/>
-                <a:cs typeface="Cabin"/>
-                <a:sym typeface="Cabin"/>
-              </a:rPr>
-              <a:t>выражения</a:t>
+              <a:rPr lang="ru-RU" sz="6600" dirty="0" smtClean="0"/>
+              <a:t>Переменное количество позиционных аргументов</a:t>
             </a:r>
             <a:endParaRPr lang="en-US" sz="6600" dirty="0">
               <a:solidFill>
@@ -13282,8 +13394,8 @@
         </p:nvSpPr>
         <p:spPr>
           <a:xfrm>
-            <a:off x="1155700" y="2547049"/>
-            <a:ext cx="14046200" cy="1938992"/>
+            <a:off x="863600" y="3091190"/>
+            <a:ext cx="14490700" cy="1077218"/>
           </a:xfrm>
           <a:prstGeom prst="rect">
             <a:avLst/>
@@ -13296,96 +13408,8 @@
           <a:lstStyle/>
           <a:p>
             <a:r>
-              <a:rPr lang="ru-RU" sz="4000" dirty="0"/>
-              <a:t>Лямбда-выражение в программировании — специальный синтаксис для определения функциональных объектов, заимствованный из λ-исчисления.</a:t>
-            </a:r>
-          </a:p>
-        </p:txBody>
-      </p:sp>
-      <p:sp>
-        <p:nvSpPr>
-          <p:cNvPr id="3" name="Прямоугольник 2"/>
-          <p:cNvSpPr/>
-          <p:nvPr/>
-        </p:nvSpPr>
-        <p:spPr>
-          <a:xfrm>
-            <a:off x="1155700" y="5415662"/>
-            <a:ext cx="13830300" cy="1815882"/>
-          </a:xfrm>
-          <a:prstGeom prst="rect">
-            <a:avLst/>
-          </a:prstGeom>
-        </p:spPr>
-        <p:txBody>
-          <a:bodyPr wrap="square">
-            <a:spAutoFit/>
-          </a:bodyPr>
-          <a:lstStyle/>
-          <a:p>
-            <a:r>
-              <a:rPr lang="ru-RU" sz="3600" dirty="0" err="1"/>
-              <a:t>Ля́мбда-исчисле́ние</a:t>
-            </a:r>
-            <a:r>
-              <a:rPr lang="ru-RU" sz="3600" dirty="0"/>
-              <a:t> (</a:t>
-            </a:r>
-            <a:r>
-              <a:rPr lang="ru-RU" sz="4000" dirty="0"/>
-              <a:t>λ-исчисление</a:t>
-            </a:r>
-            <a:r>
-              <a:rPr lang="ru-RU" sz="3600" dirty="0"/>
-              <a:t>) — формальная система, разработанная американским математиком </a:t>
-            </a:r>
-            <a:r>
-              <a:rPr lang="ru-RU" sz="3600" dirty="0" err="1"/>
-              <a:t>Алонзо</a:t>
-            </a:r>
-            <a:r>
-              <a:rPr lang="ru-RU" sz="3600" dirty="0"/>
-              <a:t> </a:t>
-            </a:r>
-            <a:r>
-              <a:rPr lang="ru-RU" sz="3600" dirty="0" err="1"/>
-              <a:t>Чёрчем</a:t>
-            </a:r>
-            <a:r>
-              <a:rPr lang="ru-RU" sz="3600" dirty="0"/>
-              <a:t>, для формализации и анализа понятия вычислимости.</a:t>
-            </a:r>
-          </a:p>
-        </p:txBody>
-      </p:sp>
-      <p:sp>
-        <p:nvSpPr>
-          <p:cNvPr id="4" name="Прямоугольник 3"/>
-          <p:cNvSpPr/>
-          <p:nvPr/>
-        </p:nvSpPr>
-        <p:spPr>
-          <a:xfrm>
-            <a:off x="9026327" y="8177312"/>
-            <a:ext cx="6579045" cy="400110"/>
-          </a:xfrm>
-          <a:prstGeom prst="rect">
-            <a:avLst/>
-          </a:prstGeom>
-        </p:spPr>
-        <p:txBody>
-          <a:bodyPr wrap="none">
-            <a:spAutoFit/>
-          </a:bodyPr>
-          <a:lstStyle/>
-          <a:p>
-            <a:r>
-              <a:rPr lang="ru-RU" sz="2000" i="1" dirty="0"/>
-              <a:t>Материал</a:t>
-            </a:r>
-            <a:r>
-              <a:rPr lang="ru-RU" sz="2000" dirty="0"/>
-              <a:t> из Википедии — свободной энциклопедии</a:t>
+              <a:rPr lang="ru-RU" sz="3200" dirty="0"/>
+              <a:t>Функция также может принимать переменное количество позиционных аргументов, тогда перед именем ставится *:</a:t>
             </a:r>
           </a:p>
         </p:txBody>
@@ -13393,7 +13417,7 @@
     </p:spTree>
     <p:extLst>
       <p:ext uri="{BB962C8B-B14F-4D97-AF65-F5344CB8AC3E}">
-        <p14:creationId xmlns:p14="http://schemas.microsoft.com/office/powerpoint/2010/main" val="3151857553"/>
+        <p14:creationId xmlns:p14="http://schemas.microsoft.com/office/powerpoint/2010/main" val="4148933920"/>
       </p:ext>
     </p:extLst>
   </p:cSld>
@@ -13447,7 +13471,7 @@
         </p:nvSpPr>
         <p:spPr>
           <a:xfrm>
-            <a:off x="1155700" y="241300"/>
+            <a:off x="1029750" y="230745"/>
             <a:ext cx="13931900" cy="2298699"/>
           </a:xfrm>
           <a:prstGeom prst="rect">
@@ -13464,15 +13488,25 @@
           </a:bodyPr>
           <a:lstStyle/>
           <a:p>
-            <a:r>
-              <a:rPr lang="ru-RU" sz="6600" dirty="0"/>
-              <a:t>Анонимные функции, инструкция </a:t>
-            </a:r>
-            <a:r>
-              <a:rPr lang="en-US" sz="6600" dirty="0"/>
-              <a:t>lambda</a:t>
-            </a:r>
-            <a:endParaRPr lang="ru-RU" sz="6600" dirty="0"/>
+            <a:pPr lvl="0">
+              <a:buClr>
+                <a:schemeClr val="lt1"/>
+              </a:buClr>
+              <a:buSzPct val="25000"/>
+            </a:pPr>
+            <a:r>
+              <a:rPr lang="ru-RU" sz="6600" dirty="0" smtClean="0"/>
+              <a:t>Переменное количество позиционных аргументов</a:t>
+            </a:r>
+            <a:endParaRPr lang="en-US" sz="6600" dirty="0">
+              <a:solidFill>
+                <a:schemeClr val="bg2"/>
+              </a:solidFill>
+              <a:latin typeface="Cabin"/>
+              <a:ea typeface="Cabin"/>
+              <a:cs typeface="Cabin"/>
+              <a:sym typeface="Cabin"/>
+            </a:endParaRPr>
           </a:p>
         </p:txBody>
       </p:sp>
@@ -13541,8 +13575,8 @@
         </p:nvSpPr>
         <p:spPr>
           <a:xfrm>
-            <a:off x="1155700" y="5415662"/>
-            <a:ext cx="13830300" cy="1815882"/>
+            <a:off x="3200503" y="2499030"/>
+            <a:ext cx="9504516" cy="6555641"/>
           </a:xfrm>
           <a:prstGeom prst="rect">
             <a:avLst/>
@@ -13555,44 +13589,597 @@
           <a:lstStyle/>
           <a:p>
             <a:r>
-              <a:rPr lang="ru-RU" sz="3600" dirty="0" err="1"/>
-              <a:t>Ля́мбда-исчисле́ние</a:t>
-            </a:r>
-            <a:r>
-              <a:rPr lang="ru-RU" sz="3600" dirty="0"/>
-              <a:t> (</a:t>
-            </a:r>
-            <a:r>
-              <a:rPr lang="ru-RU" sz="4000" dirty="0"/>
-              <a:t>λ-исчисление</a:t>
-            </a:r>
-            <a:r>
-              <a:rPr lang="ru-RU" sz="3600" dirty="0"/>
-              <a:t>) — формальная система, разработанная американским математиком </a:t>
-            </a:r>
-            <a:r>
-              <a:rPr lang="ru-RU" sz="3600" dirty="0" err="1"/>
-              <a:t>Алонзо</a:t>
-            </a:r>
-            <a:r>
-              <a:rPr lang="ru-RU" sz="3600" dirty="0"/>
+              <a:rPr lang="pt-BR" sz="2000" dirty="0">
+                <a:highlight>
+                  <a:srgbClr val="FFFFFF"/>
+                </a:highlight>
+                <a:latin typeface="Consolas"/>
+              </a:rPr>
+              <a:t>&gt;&gt;&gt; </a:t>
+            </a:r>
+            <a:r>
+              <a:rPr lang="pt-BR" sz="2000" dirty="0">
+                <a:solidFill>
+                  <a:srgbClr val="0000FF"/>
+                </a:solidFill>
+                <a:highlight>
+                  <a:srgbClr val="FFFFFF"/>
+                </a:highlight>
+                <a:latin typeface="Consolas"/>
+              </a:rPr>
+              <a:t>def</a:t>
+            </a:r>
+            <a:r>
+              <a:rPr lang="pt-BR" sz="2000" dirty="0">
+                <a:highlight>
+                  <a:srgbClr val="FFFFFF"/>
+                </a:highlight>
+                <a:latin typeface="Consolas"/>
+              </a:rPr>
               <a:t> </a:t>
             </a:r>
             <a:r>
-              <a:rPr lang="ru-RU" sz="3600" dirty="0" err="1"/>
-              <a:t>Чёрчем</a:t>
-            </a:r>
-            <a:r>
-              <a:rPr lang="ru-RU" sz="3600" dirty="0"/>
-              <a:t>, для формализации и анализа понятия вычислимости.</a:t>
-            </a:r>
+              <a:rPr lang="pt-BR" sz="2000" dirty="0" smtClean="0">
+                <a:highlight>
+                  <a:srgbClr val="FFFFFF"/>
+                </a:highlight>
+                <a:latin typeface="Consolas"/>
+              </a:rPr>
+              <a:t>sum_nums(a </a:t>
+            </a:r>
+            <a:r>
+              <a:rPr lang="pt-BR" sz="2000" dirty="0">
+                <a:highlight>
+                  <a:srgbClr val="FFFFFF"/>
+                </a:highlight>
+                <a:latin typeface="Consolas"/>
+              </a:rPr>
+              <a:t>= 0, b = 0, c = 0, d = 0, e = 0, f = 0):</a:t>
+            </a:r>
+          </a:p>
+          <a:p>
+            <a:r>
+              <a:rPr lang="en-US" sz="2000" dirty="0">
+                <a:highlight>
+                  <a:srgbClr val="FFFFFF"/>
+                </a:highlight>
+                <a:latin typeface="Consolas"/>
+              </a:rPr>
+              <a:t>...     </a:t>
+            </a:r>
+            <a:r>
+              <a:rPr lang="en-US" sz="2000" dirty="0">
+                <a:solidFill>
+                  <a:srgbClr val="0000FF"/>
+                </a:solidFill>
+                <a:highlight>
+                  <a:srgbClr val="FFFFFF"/>
+                </a:highlight>
+                <a:latin typeface="Consolas"/>
+              </a:rPr>
+              <a:t>return</a:t>
+            </a:r>
+            <a:r>
+              <a:rPr lang="en-US" sz="2000" dirty="0">
+                <a:highlight>
+                  <a:srgbClr val="FFFFFF"/>
+                </a:highlight>
+                <a:latin typeface="Consolas"/>
+              </a:rPr>
+              <a:t> a + b + c + d + e + f</a:t>
+            </a:r>
+          </a:p>
+          <a:p>
+            <a:r>
+              <a:rPr lang="ru-RU" sz="2000" dirty="0">
+                <a:highlight>
+                  <a:srgbClr val="FFFFFF"/>
+                </a:highlight>
+                <a:latin typeface="Consolas"/>
+              </a:rPr>
+              <a:t>... </a:t>
+            </a:r>
+          </a:p>
+          <a:p>
+            <a:r>
+              <a:rPr lang="en-US" sz="2000" dirty="0">
+                <a:highlight>
+                  <a:srgbClr val="FFFFFF"/>
+                </a:highlight>
+                <a:latin typeface="Consolas"/>
+              </a:rPr>
+              <a:t>&gt;&gt;&gt; </a:t>
+            </a:r>
+            <a:r>
+              <a:rPr lang="en-US" sz="2000" dirty="0" smtClean="0">
+                <a:highlight>
+                  <a:srgbClr val="FFFFFF"/>
+                </a:highlight>
+                <a:latin typeface="Consolas"/>
+              </a:rPr>
+              <a:t>sum</a:t>
+            </a:r>
+            <a:r>
+              <a:rPr lang="pt-BR" sz="2000" dirty="0" smtClean="0">
+                <a:highlight>
+                  <a:srgbClr val="FFFFFF"/>
+                </a:highlight>
+                <a:latin typeface="Consolas"/>
+              </a:rPr>
+              <a:t>_nums</a:t>
+            </a:r>
+            <a:r>
+              <a:rPr lang="en-US" sz="2000" dirty="0" smtClean="0">
+                <a:highlight>
+                  <a:srgbClr val="FFFFFF"/>
+                </a:highlight>
+                <a:latin typeface="Consolas"/>
+              </a:rPr>
+              <a:t>()</a:t>
+            </a:r>
+            <a:endParaRPr lang="en-US" sz="2000" dirty="0">
+              <a:highlight>
+                <a:srgbClr val="FFFFFF"/>
+              </a:highlight>
+              <a:latin typeface="Consolas"/>
+            </a:endParaRPr>
+          </a:p>
+          <a:p>
+            <a:r>
+              <a:rPr lang="ru-RU" sz="2000" dirty="0">
+                <a:highlight>
+                  <a:srgbClr val="FFFFFF"/>
+                </a:highlight>
+                <a:latin typeface="Consolas"/>
+              </a:rPr>
+              <a:t>0</a:t>
+            </a:r>
+          </a:p>
+          <a:p>
+            <a:r>
+              <a:rPr lang="en-US" sz="2000" dirty="0">
+                <a:highlight>
+                  <a:srgbClr val="FFFFFF"/>
+                </a:highlight>
+                <a:latin typeface="Consolas"/>
+              </a:rPr>
+              <a:t>&gt;&gt;&gt; </a:t>
+            </a:r>
+            <a:r>
+              <a:rPr lang="en-US" sz="2000" dirty="0" smtClean="0">
+                <a:highlight>
+                  <a:srgbClr val="FFFFFF"/>
+                </a:highlight>
+                <a:latin typeface="Consolas"/>
+              </a:rPr>
+              <a:t>sum</a:t>
+            </a:r>
+            <a:r>
+              <a:rPr lang="pt-BR" sz="2000" dirty="0" smtClean="0">
+                <a:highlight>
+                  <a:srgbClr val="FFFFFF"/>
+                </a:highlight>
+                <a:latin typeface="Consolas"/>
+              </a:rPr>
+              <a:t>_nums</a:t>
+            </a:r>
+            <a:r>
+              <a:rPr lang="en-US" sz="2000" dirty="0" smtClean="0">
+                <a:highlight>
+                  <a:srgbClr val="FFFFFF"/>
+                </a:highlight>
+                <a:latin typeface="Consolas"/>
+              </a:rPr>
+              <a:t>(10</a:t>
+            </a:r>
+            <a:r>
+              <a:rPr lang="en-US" sz="2000" dirty="0">
+                <a:highlight>
+                  <a:srgbClr val="FFFFFF"/>
+                </a:highlight>
+                <a:latin typeface="Consolas"/>
+              </a:rPr>
+              <a:t>)</a:t>
+            </a:r>
+          </a:p>
+          <a:p>
+            <a:r>
+              <a:rPr lang="ru-RU" sz="2000" dirty="0">
+                <a:highlight>
+                  <a:srgbClr val="FFFFFF"/>
+                </a:highlight>
+                <a:latin typeface="Consolas"/>
+              </a:rPr>
+              <a:t>10</a:t>
+            </a:r>
+          </a:p>
+          <a:p>
+            <a:r>
+              <a:rPr lang="en-US" sz="2000" dirty="0">
+                <a:highlight>
+                  <a:srgbClr val="FFFFFF"/>
+                </a:highlight>
+                <a:latin typeface="Consolas"/>
+              </a:rPr>
+              <a:t>&gt;&gt;&gt; </a:t>
+            </a:r>
+            <a:r>
+              <a:rPr lang="en-US" sz="2000" dirty="0" smtClean="0">
+                <a:highlight>
+                  <a:srgbClr val="FFFFFF"/>
+                </a:highlight>
+                <a:latin typeface="Consolas"/>
+              </a:rPr>
+              <a:t>sum</a:t>
+            </a:r>
+            <a:r>
+              <a:rPr lang="pt-BR" sz="2000" dirty="0" smtClean="0">
+                <a:highlight>
+                  <a:srgbClr val="FFFFFF"/>
+                </a:highlight>
+                <a:latin typeface="Consolas"/>
+              </a:rPr>
+              <a:t>_nums</a:t>
+            </a:r>
+            <a:r>
+              <a:rPr lang="en-US" sz="2000" dirty="0" smtClean="0">
+                <a:highlight>
+                  <a:srgbClr val="FFFFFF"/>
+                </a:highlight>
+                <a:latin typeface="Consolas"/>
+              </a:rPr>
+              <a:t>(10</a:t>
+            </a:r>
+            <a:r>
+              <a:rPr lang="en-US" sz="2000" dirty="0">
+                <a:highlight>
+                  <a:srgbClr val="FFFFFF"/>
+                </a:highlight>
+                <a:latin typeface="Consolas"/>
+              </a:rPr>
+              <a:t>, 20)</a:t>
+            </a:r>
+          </a:p>
+          <a:p>
+            <a:r>
+              <a:rPr lang="ru-RU" sz="2000" dirty="0">
+                <a:highlight>
+                  <a:srgbClr val="FFFFFF"/>
+                </a:highlight>
+                <a:latin typeface="Consolas"/>
+              </a:rPr>
+              <a:t>30</a:t>
+            </a:r>
+          </a:p>
+          <a:p>
+            <a:r>
+              <a:rPr lang="en-US" sz="2000" dirty="0">
+                <a:highlight>
+                  <a:srgbClr val="FFFFFF"/>
+                </a:highlight>
+                <a:latin typeface="Consolas"/>
+              </a:rPr>
+              <a:t>&gt;&gt;&gt; </a:t>
+            </a:r>
+            <a:r>
+              <a:rPr lang="en-US" sz="2000" dirty="0" smtClean="0">
+                <a:highlight>
+                  <a:srgbClr val="FFFFFF"/>
+                </a:highlight>
+                <a:latin typeface="Consolas"/>
+              </a:rPr>
+              <a:t>sum</a:t>
+            </a:r>
+            <a:r>
+              <a:rPr lang="pt-BR" sz="2000" dirty="0" smtClean="0">
+                <a:highlight>
+                  <a:srgbClr val="FFFFFF"/>
+                </a:highlight>
+                <a:latin typeface="Consolas"/>
+              </a:rPr>
+              <a:t>_nums</a:t>
+            </a:r>
+            <a:r>
+              <a:rPr lang="en-US" sz="2000" dirty="0" smtClean="0">
+                <a:highlight>
+                  <a:srgbClr val="FFFFFF"/>
+                </a:highlight>
+                <a:latin typeface="Consolas"/>
+              </a:rPr>
+              <a:t>(10</a:t>
+            </a:r>
+            <a:r>
+              <a:rPr lang="en-US" sz="2000" dirty="0">
+                <a:highlight>
+                  <a:srgbClr val="FFFFFF"/>
+                </a:highlight>
+                <a:latin typeface="Consolas"/>
+              </a:rPr>
+              <a:t>, 20, 30, 40)</a:t>
+            </a:r>
+          </a:p>
+          <a:p>
+            <a:r>
+              <a:rPr lang="ru-RU" sz="2000" dirty="0">
+                <a:highlight>
+                  <a:srgbClr val="FFFFFF"/>
+                </a:highlight>
+                <a:latin typeface="Consolas"/>
+              </a:rPr>
+              <a:t>100</a:t>
+            </a:r>
+          </a:p>
+          <a:p>
+            <a:r>
+              <a:rPr lang="en-US" sz="2000" dirty="0">
+                <a:highlight>
+                  <a:srgbClr val="FFFFFF"/>
+                </a:highlight>
+                <a:latin typeface="Consolas"/>
+              </a:rPr>
+              <a:t>&gt;&gt;&gt; </a:t>
+            </a:r>
+            <a:r>
+              <a:rPr lang="en-US" sz="2000" dirty="0" smtClean="0">
+                <a:highlight>
+                  <a:srgbClr val="FFFFFF"/>
+                </a:highlight>
+                <a:latin typeface="Consolas"/>
+              </a:rPr>
+              <a:t>sum</a:t>
+            </a:r>
+            <a:r>
+              <a:rPr lang="pt-BR" sz="2000" dirty="0" smtClean="0">
+                <a:highlight>
+                  <a:srgbClr val="FFFFFF"/>
+                </a:highlight>
+                <a:latin typeface="Consolas"/>
+              </a:rPr>
+              <a:t>_nums</a:t>
+            </a:r>
+            <a:r>
+              <a:rPr lang="en-US" sz="2000" dirty="0" smtClean="0">
+                <a:highlight>
+                  <a:srgbClr val="FFFFFF"/>
+                </a:highlight>
+                <a:latin typeface="Consolas"/>
+              </a:rPr>
+              <a:t>(10</a:t>
+            </a:r>
+            <a:r>
+              <a:rPr lang="en-US" sz="2000" dirty="0">
+                <a:highlight>
+                  <a:srgbClr val="FFFFFF"/>
+                </a:highlight>
+                <a:latin typeface="Consolas"/>
+              </a:rPr>
+              <a:t>, 20, 30, 40, 50)</a:t>
+            </a:r>
+          </a:p>
+          <a:p>
+            <a:r>
+              <a:rPr lang="ru-RU" sz="2000" dirty="0">
+                <a:highlight>
+                  <a:srgbClr val="FFFFFF"/>
+                </a:highlight>
+                <a:latin typeface="Consolas"/>
+              </a:rPr>
+              <a:t>150</a:t>
+            </a:r>
+          </a:p>
+          <a:p>
+            <a:r>
+              <a:rPr lang="en-US" sz="2000" dirty="0">
+                <a:highlight>
+                  <a:srgbClr val="FFFFFF"/>
+                </a:highlight>
+                <a:latin typeface="Consolas"/>
+              </a:rPr>
+              <a:t>&gt;&gt;&gt; </a:t>
+            </a:r>
+            <a:r>
+              <a:rPr lang="en-US" sz="2000" dirty="0" smtClean="0">
+                <a:highlight>
+                  <a:srgbClr val="FFFFFF"/>
+                </a:highlight>
+                <a:latin typeface="Consolas"/>
+              </a:rPr>
+              <a:t>sum</a:t>
+            </a:r>
+            <a:r>
+              <a:rPr lang="pt-BR" sz="2000" dirty="0" smtClean="0">
+                <a:highlight>
+                  <a:srgbClr val="FFFFFF"/>
+                </a:highlight>
+                <a:latin typeface="Consolas"/>
+              </a:rPr>
+              <a:t>_nums</a:t>
+            </a:r>
+            <a:r>
+              <a:rPr lang="en-US" sz="2000" dirty="0" smtClean="0">
+                <a:highlight>
+                  <a:srgbClr val="FFFFFF"/>
+                </a:highlight>
+                <a:latin typeface="Consolas"/>
+              </a:rPr>
+              <a:t>(10</a:t>
+            </a:r>
+            <a:r>
+              <a:rPr lang="en-US" sz="2000" dirty="0">
+                <a:highlight>
+                  <a:srgbClr val="FFFFFF"/>
+                </a:highlight>
+                <a:latin typeface="Consolas"/>
+              </a:rPr>
+              <a:t>, 20, 30, 40, 50, 60)</a:t>
+            </a:r>
+          </a:p>
+          <a:p>
+            <a:r>
+              <a:rPr lang="ru-RU" sz="2000" dirty="0">
+                <a:highlight>
+                  <a:srgbClr val="FFFFFF"/>
+                </a:highlight>
+                <a:latin typeface="Consolas"/>
+              </a:rPr>
+              <a:t>210</a:t>
+            </a:r>
+          </a:p>
+          <a:p>
+            <a:r>
+              <a:rPr lang="en-US" sz="2000" dirty="0">
+                <a:highlight>
+                  <a:srgbClr val="FFFFFF"/>
+                </a:highlight>
+                <a:latin typeface="Consolas"/>
+              </a:rPr>
+              <a:t>&gt;&gt;&gt; </a:t>
+            </a:r>
+            <a:r>
+              <a:rPr lang="en-US" sz="2000" dirty="0" smtClean="0">
+                <a:highlight>
+                  <a:srgbClr val="FFFFFF"/>
+                </a:highlight>
+                <a:latin typeface="Consolas"/>
+              </a:rPr>
+              <a:t>sum</a:t>
+            </a:r>
+            <a:r>
+              <a:rPr lang="pt-BR" sz="2000" dirty="0" smtClean="0">
+                <a:highlight>
+                  <a:srgbClr val="FFFFFF"/>
+                </a:highlight>
+                <a:latin typeface="Consolas"/>
+              </a:rPr>
+              <a:t>_nums</a:t>
+            </a:r>
+            <a:r>
+              <a:rPr lang="en-US" sz="2000" dirty="0" smtClean="0">
+                <a:highlight>
+                  <a:srgbClr val="FFFFFF"/>
+                </a:highlight>
+                <a:latin typeface="Consolas"/>
+              </a:rPr>
+              <a:t>(10</a:t>
+            </a:r>
+            <a:r>
+              <a:rPr lang="en-US" sz="2000" dirty="0">
+                <a:highlight>
+                  <a:srgbClr val="FFFFFF"/>
+                </a:highlight>
+                <a:latin typeface="Consolas"/>
+              </a:rPr>
+              <a:t>, 20, 30, 40, 50, 60, 70)</a:t>
+            </a:r>
+          </a:p>
+          <a:p>
+            <a:r>
+              <a:rPr lang="en-US" sz="2000" dirty="0" err="1">
+                <a:solidFill>
+                  <a:srgbClr val="FF0000"/>
+                </a:solidFill>
+                <a:highlight>
+                  <a:srgbClr val="FFFFFF"/>
+                </a:highlight>
+                <a:latin typeface="Consolas"/>
+              </a:rPr>
+              <a:t>Traceback</a:t>
+            </a:r>
+            <a:r>
+              <a:rPr lang="en-US" sz="2000" dirty="0">
+                <a:solidFill>
+                  <a:srgbClr val="FF0000"/>
+                </a:solidFill>
+                <a:highlight>
+                  <a:srgbClr val="FFFFFF"/>
+                </a:highlight>
+                <a:latin typeface="Consolas"/>
+              </a:rPr>
+              <a:t> (most recent call last):</a:t>
+            </a:r>
+          </a:p>
+          <a:p>
+            <a:r>
+              <a:rPr lang="en-US" sz="2000" dirty="0">
+                <a:solidFill>
+                  <a:srgbClr val="FF0000"/>
+                </a:solidFill>
+                <a:highlight>
+                  <a:srgbClr val="FFFFFF"/>
+                </a:highlight>
+                <a:latin typeface="Consolas"/>
+              </a:rPr>
+              <a:t>  File "&lt;</a:t>
+            </a:r>
+            <a:r>
+              <a:rPr lang="en-US" sz="2000" dirty="0" err="1">
+                <a:solidFill>
+                  <a:srgbClr val="FF0000"/>
+                </a:solidFill>
+                <a:highlight>
+                  <a:srgbClr val="FFFFFF"/>
+                </a:highlight>
+                <a:latin typeface="Consolas"/>
+              </a:rPr>
+              <a:t>stdin</a:t>
+            </a:r>
+            <a:r>
+              <a:rPr lang="en-US" sz="2000" dirty="0">
+                <a:solidFill>
+                  <a:srgbClr val="FF0000"/>
+                </a:solidFill>
+                <a:highlight>
+                  <a:srgbClr val="FFFFFF"/>
+                </a:highlight>
+                <a:latin typeface="Consolas"/>
+              </a:rPr>
+              <a:t>&gt;", line 1, in &lt;module&gt;</a:t>
+            </a:r>
+          </a:p>
+          <a:p>
+            <a:r>
+              <a:rPr lang="en-US" sz="2000" dirty="0" err="1">
+                <a:solidFill>
+                  <a:srgbClr val="FF0000"/>
+                </a:solidFill>
+                <a:highlight>
+                  <a:srgbClr val="FFFFFF"/>
+                </a:highlight>
+                <a:latin typeface="Consolas"/>
+              </a:rPr>
+              <a:t>TypeError</a:t>
+            </a:r>
+            <a:r>
+              <a:rPr lang="en-US" sz="2000" dirty="0">
+                <a:solidFill>
+                  <a:srgbClr val="FF0000"/>
+                </a:solidFill>
+                <a:highlight>
+                  <a:srgbClr val="FFFFFF"/>
+                </a:highlight>
+                <a:latin typeface="Consolas"/>
+              </a:rPr>
+              <a:t>: sum() takes from 0 to 6 positional arguments but 7 were given</a:t>
+            </a:r>
+          </a:p>
+          <a:p>
+            <a:r>
+              <a:rPr lang="ru-RU" sz="2000" dirty="0">
+                <a:highlight>
+                  <a:srgbClr val="FFFFFF"/>
+                </a:highlight>
+                <a:latin typeface="Consolas"/>
+              </a:rPr>
+              <a:t>&gt;&gt;&gt; </a:t>
+            </a:r>
+            <a:endParaRPr lang="ru-RU" sz="2000" dirty="0"/>
           </a:p>
         </p:txBody>
       </p:sp>
     </p:spTree>
     <p:extLst>
       <p:ext uri="{BB962C8B-B14F-4D97-AF65-F5344CB8AC3E}">
-        <p14:creationId xmlns:p14="http://schemas.microsoft.com/office/powerpoint/2010/main" val="2576099400"/>
+        <p14:creationId xmlns:p14="http://schemas.microsoft.com/office/powerpoint/2010/main" val="223496330"/>
       </p:ext>
     </p:extLst>
   </p:cSld>
@@ -13646,7 +14233,7 @@
         </p:nvSpPr>
         <p:spPr>
           <a:xfrm>
-            <a:off x="1155700" y="241300"/>
+            <a:off x="1029750" y="230745"/>
             <a:ext cx="13931900" cy="2298699"/>
           </a:xfrm>
           <a:prstGeom prst="rect">
@@ -13663,11 +14250,33 @@
           </a:bodyPr>
           <a:lstStyle/>
           <a:p>
+            <a:pPr lvl="0">
+              <a:buClr>
+                <a:schemeClr val="lt1"/>
+              </a:buClr>
+              <a:buSzPct val="25000"/>
+            </a:pPr>
             <a:r>
               <a:rPr lang="ru-RU" sz="6600" dirty="0" smtClean="0"/>
-              <a:t>Рекурсия</a:t>
-            </a:r>
-            <a:endParaRPr lang="ru-RU" sz="6600" dirty="0"/>
+              <a:t>Переменное количество </a:t>
+            </a:r>
+            <a:r>
+              <a:rPr lang="ru-RU" sz="6600" dirty="0" smtClean="0"/>
+              <a:t>именованных </a:t>
+            </a:r>
+            <a:r>
+              <a:rPr lang="ru-RU" sz="6600" dirty="0" smtClean="0"/>
+              <a:t>аргументов</a:t>
+            </a:r>
+            <a:endParaRPr lang="en-US" sz="6600" dirty="0">
+              <a:solidFill>
+                <a:schemeClr val="bg2"/>
+              </a:solidFill>
+              <a:latin typeface="Cabin"/>
+              <a:ea typeface="Cabin"/>
+              <a:cs typeface="Cabin"/>
+              <a:sym typeface="Cabin"/>
+            </a:endParaRPr>
           </a:p>
         </p:txBody>
       </p:sp>
@@ -13728,10 +14337,62 @@
           </a:p>
         </p:txBody>
       </p:sp>
+      <p:sp>
+        <p:nvSpPr>
+          <p:cNvPr id="2" name="Прямоугольник 1"/>
+          <p:cNvSpPr/>
+          <p:nvPr/>
+        </p:nvSpPr>
+        <p:spPr>
+          <a:xfrm>
+            <a:off x="863600" y="3091190"/>
+            <a:ext cx="14490700" cy="1077218"/>
+          </a:xfrm>
+          <a:prstGeom prst="rect">
+            <a:avLst/>
+          </a:prstGeom>
+        </p:spPr>
+        <p:txBody>
+          <a:bodyPr wrap="square">
+            <a:spAutoFit/>
+          </a:bodyPr>
+          <a:lstStyle/>
+          <a:p>
+            <a:r>
+              <a:rPr lang="ru-RU" sz="3200" dirty="0"/>
+              <a:t>Функция может принимать и произвольное число именованных аргументов, тогда </a:t>
+            </a:r>
+            <a:r>
+              <a:rPr lang="ru-RU" sz="3200" dirty="0">
+                <a:solidFill>
+                  <a:srgbClr val="00B050"/>
+                </a:solidFill>
+              </a:rPr>
+              <a:t>перед именем </a:t>
+            </a:r>
+            <a:r>
+              <a:rPr lang="ru-RU" sz="3200" dirty="0"/>
+              <a:t>ставится </a:t>
+            </a:r>
+            <a:r>
+              <a:rPr lang="ru-RU" sz="3200" dirty="0">
+                <a:solidFill>
+                  <a:srgbClr val="00B0F0"/>
+                </a:solidFill>
+              </a:rPr>
+              <a:t>**</a:t>
+            </a:r>
+            <a:r>
+              <a:rPr lang="ru-RU" sz="3200" dirty="0"/>
+              <a:t>:</a:t>
+            </a:r>
+          </a:p>
+        </p:txBody>
+      </p:sp>
     </p:spTree>
     <p:extLst>
       <p:ext uri="{BB962C8B-B14F-4D97-AF65-F5344CB8AC3E}">
-        <p14:creationId xmlns:p14="http://schemas.microsoft.com/office/powerpoint/2010/main" val="1839753206"/>
+        <p14:creationId xmlns:p14="http://schemas.microsoft.com/office/powerpoint/2010/main" val="1973144370"/>
       </p:ext>
     </p:extLst>
   </p:cSld>
@@ -13802,11 +14463,44 @@
           </a:bodyPr>
           <a:lstStyle/>
           <a:p>
-            <a:r>
-              <a:rPr lang="ru-RU" sz="6600" dirty="0" smtClean="0"/>
-              <a:t>Вложенные функции. Замыкания</a:t>
-            </a:r>
-            <a:endParaRPr lang="ru-RU" sz="6600" dirty="0"/>
+            <a:pPr marL="0" marR="0" lvl="0" indent="0" algn="ctr" rtl="0">
+              <a:lnSpc>
+                <a:spcPct val="100000"/>
+              </a:lnSpc>
+              <a:spcBef>
+                <a:spcPts val="0"/>
+              </a:spcBef>
+              <a:spcAft>
+                <a:spcPts val="0"/>
+              </a:spcAft>
+              <a:buClr>
+                <a:schemeClr val="lt1"/>
+              </a:buClr>
+              <a:buSzPct val="25000"/>
+              <a:buFont typeface="Cabin"/>
+              <a:buNone/>
+            </a:pPr>
+            <a:r>
+              <a:rPr lang="ru-RU" sz="6600" dirty="0" smtClean="0">
+                <a:solidFill>
+                  <a:schemeClr val="bg2"/>
+                </a:solidFill>
+                <a:latin typeface="Cabin"/>
+                <a:ea typeface="Cabin"/>
+                <a:cs typeface="Cabin"/>
+                <a:sym typeface="Cabin"/>
+              </a:rPr>
+              <a:t>Функция как объект</a:t>
+            </a:r>
+            <a:endParaRPr lang="en-US" sz="6600" dirty="0">
+              <a:solidFill>
+                <a:schemeClr val="bg2"/>
+              </a:solidFill>
+              <a:latin typeface="Cabin"/>
+              <a:ea typeface="Cabin"/>
+              <a:cs typeface="Cabin"/>
+              <a:sym typeface="Cabin"/>
+            </a:endParaRPr>
           </a:p>
         </p:txBody>
       </p:sp>
@@ -13870,7 +14564,7 @@
     </p:spTree>
     <p:extLst>
       <p:ext uri="{BB962C8B-B14F-4D97-AF65-F5344CB8AC3E}">
-        <p14:creationId xmlns:p14="http://schemas.microsoft.com/office/powerpoint/2010/main" val="2908637300"/>
+        <p14:creationId xmlns:p14="http://schemas.microsoft.com/office/powerpoint/2010/main" val="3047442907"/>
       </p:ext>
     </p:extLst>
   </p:cSld>
@@ -13941,15 +14635,80 @@
           </a:bodyPr>
           <a:lstStyle/>
           <a:p>
-            <a:r>
-              <a:rPr lang="ru-RU" sz="6600" dirty="0"/>
-              <a:t>Понятие об </a:t>
-            </a:r>
-            <a:r>
-              <a:rPr lang="ru-RU" sz="6600" dirty="0" smtClean="0"/>
-              <a:t>исключении</a:t>
-            </a:r>
-            <a:endParaRPr lang="ru-RU" sz="6600" dirty="0"/>
+            <a:pPr marL="0" marR="0" lvl="0" indent="0" algn="ctr" rtl="0">
+              <a:lnSpc>
+                <a:spcPct val="100000"/>
+              </a:lnSpc>
+              <a:spcBef>
+                <a:spcPts val="0"/>
+              </a:spcBef>
+              <a:spcAft>
+                <a:spcPts val="0"/>
+              </a:spcAft>
+              <a:buClr>
+                <a:schemeClr val="lt1"/>
+              </a:buClr>
+              <a:buSzPct val="25000"/>
+              <a:buFont typeface="Cabin"/>
+              <a:buNone/>
+            </a:pPr>
+            <a:r>
+              <a:rPr lang="ru-RU" sz="6600" dirty="0" smtClean="0">
+                <a:solidFill>
+                  <a:schemeClr val="bg2"/>
+                </a:solidFill>
+                <a:latin typeface="Cabin"/>
+                <a:ea typeface="Cabin"/>
+                <a:cs typeface="Cabin"/>
+                <a:sym typeface="Cabin"/>
+              </a:rPr>
+              <a:t>Передача функции </a:t>
+            </a:r>
+            <a:r>
+              <a:rPr lang="ru-RU" sz="6600" dirty="0" smtClean="0">
+                <a:solidFill>
+                  <a:schemeClr val="bg2"/>
+                </a:solidFill>
+                <a:latin typeface="Cabin"/>
+                <a:ea typeface="Cabin"/>
+                <a:cs typeface="Cabin"/>
+                <a:sym typeface="Cabin"/>
+              </a:rPr>
+              <a:t>в </a:t>
+            </a:r>
+            <a:r>
+              <a:rPr lang="ru-RU" sz="6600" dirty="0" smtClean="0">
+                <a:solidFill>
+                  <a:schemeClr val="bg2"/>
+                </a:solidFill>
+                <a:latin typeface="Cabin"/>
+                <a:ea typeface="Cabin"/>
+                <a:cs typeface="Cabin"/>
+                <a:sym typeface="Cabin"/>
+              </a:rPr>
+              <a:t>другую </a:t>
+            </a:r>
+            <a:r>
+              <a:rPr lang="ru-RU" sz="6600" dirty="0" smtClean="0">
+                <a:solidFill>
+                  <a:schemeClr val="bg2"/>
+                </a:solidFill>
+                <a:latin typeface="Cabin"/>
+                <a:ea typeface="Cabin"/>
+                <a:cs typeface="Cabin"/>
+                <a:sym typeface="Cabin"/>
+              </a:rPr>
+              <a:t>функцию</a:t>
+            </a:r>
+            <a:endParaRPr lang="en-US" sz="6600" dirty="0">
+              <a:solidFill>
+                <a:schemeClr val="bg2"/>
+              </a:solidFill>
+              <a:latin typeface="Cabin"/>
+              <a:ea typeface="Cabin"/>
+              <a:cs typeface="Cabin"/>
+              <a:sym typeface="Cabin"/>
+            </a:endParaRPr>
           </a:p>
         </p:txBody>
       </p:sp>
@@ -14013,7 +14772,7 @@
     </p:spTree>
     <p:extLst>
       <p:ext uri="{BB962C8B-B14F-4D97-AF65-F5344CB8AC3E}">
-        <p14:creationId xmlns:p14="http://schemas.microsoft.com/office/powerpoint/2010/main" val="1893192148"/>
+        <p14:creationId xmlns:p14="http://schemas.microsoft.com/office/powerpoint/2010/main" val="1115284895"/>
       </p:ext>
     </p:extLst>
   </p:cSld>
@@ -14084,10 +14843,33 @@
           </a:bodyPr>
           <a:lstStyle/>
           <a:p>
-            <a:r>
-              <a:rPr lang="ru-RU" sz="6600" dirty="0"/>
-              <a:t>Перехват исключения</a:t>
-            </a:r>
+            <a:pPr lvl="0">
+              <a:buClr>
+                <a:schemeClr val="lt1"/>
+              </a:buClr>
+              <a:buSzPct val="25000"/>
+            </a:pPr>
+            <a:r>
+              <a:rPr lang="ru-RU" sz="6600" dirty="0" smtClean="0">
+                <a:solidFill>
+                  <a:schemeClr val="bg2"/>
+                </a:solidFill>
+                <a:latin typeface="Cabin"/>
+                <a:ea typeface="Cabin"/>
+                <a:cs typeface="Cabin"/>
+                <a:sym typeface="Cabin"/>
+              </a:rPr>
+              <a:t>Лямбда выражения</a:t>
+            </a:r>
+            <a:endParaRPr lang="en-US" sz="6600" dirty="0">
+              <a:solidFill>
+                <a:schemeClr val="bg2"/>
+              </a:solidFill>
+              <a:latin typeface="Cabin"/>
+              <a:ea typeface="Cabin"/>
+              <a:cs typeface="Cabin"/>
+              <a:sym typeface="Cabin"/>
+            </a:endParaRPr>
           </a:p>
         </p:txBody>
       </p:sp>
@@ -14148,10 +14930,170 @@
           </a:p>
         </p:txBody>
       </p:sp>
+      <p:sp>
+        <p:nvSpPr>
+          <p:cNvPr id="2" name="Прямоугольник 1"/>
+          <p:cNvSpPr/>
+          <p:nvPr/>
+        </p:nvSpPr>
+        <p:spPr>
+          <a:xfrm>
+            <a:off x="1155700" y="2547049"/>
+            <a:ext cx="14046200" cy="1938992"/>
+          </a:xfrm>
+          <a:prstGeom prst="rect">
+            <a:avLst/>
+          </a:prstGeom>
+        </p:spPr>
+        <p:txBody>
+          <a:bodyPr wrap="square">
+            <a:spAutoFit/>
+          </a:bodyPr>
+          <a:lstStyle/>
+          <a:p>
+            <a:r>
+              <a:rPr lang="ru-RU" sz="4000" dirty="0">
+                <a:solidFill>
+                  <a:srgbClr val="00B050"/>
+                </a:solidFill>
+              </a:rPr>
+              <a:t>Лямбда-выражение</a:t>
+            </a:r>
+            <a:r>
+              <a:rPr lang="ru-RU" sz="4000" dirty="0"/>
+              <a:t> в программировании — специальный синтаксис для определения функциональных объектов, заимствованный из </a:t>
+            </a:r>
+            <a:r>
+              <a:rPr lang="ru-RU" sz="4000" dirty="0">
+                <a:solidFill>
+                  <a:srgbClr val="00B050"/>
+                </a:solidFill>
+              </a:rPr>
+              <a:t>λ</a:t>
+            </a:r>
+            <a:r>
+              <a:rPr lang="ru-RU" sz="4000" dirty="0"/>
+              <a:t>-исчисления.</a:t>
+            </a:r>
+          </a:p>
+        </p:txBody>
+      </p:sp>
+      <p:sp>
+        <p:nvSpPr>
+          <p:cNvPr id="3" name="Прямоугольник 2"/>
+          <p:cNvSpPr/>
+          <p:nvPr/>
+        </p:nvSpPr>
+        <p:spPr>
+          <a:xfrm>
+            <a:off x="1155700" y="5415662"/>
+            <a:ext cx="13830300" cy="1815882"/>
+          </a:xfrm>
+          <a:prstGeom prst="rect">
+            <a:avLst/>
+          </a:prstGeom>
+        </p:spPr>
+        <p:txBody>
+          <a:bodyPr wrap="square">
+            <a:spAutoFit/>
+          </a:bodyPr>
+          <a:lstStyle/>
+          <a:p>
+            <a:r>
+              <a:rPr lang="ru-RU" sz="3600" dirty="0" err="1">
+                <a:solidFill>
+                  <a:srgbClr val="00B050"/>
+                </a:solidFill>
+              </a:rPr>
+              <a:t>Ля́мбда-исчисле́ние</a:t>
+            </a:r>
+            <a:r>
+              <a:rPr lang="ru-RU" sz="3600" dirty="0"/>
+              <a:t> (</a:t>
+            </a:r>
+            <a:r>
+              <a:rPr lang="ru-RU" sz="4000" dirty="0">
+                <a:solidFill>
+                  <a:srgbClr val="00B050"/>
+                </a:solidFill>
+              </a:rPr>
+              <a:t>λ</a:t>
+            </a:r>
+            <a:r>
+              <a:rPr lang="ru-RU" sz="4000" dirty="0"/>
+              <a:t>-исчисление</a:t>
+            </a:r>
+            <a:r>
+              <a:rPr lang="ru-RU" sz="3600" dirty="0"/>
+              <a:t>) — формальная система, разработанная американским математиком </a:t>
+            </a:r>
+            <a:r>
+              <a:rPr lang="ru-RU" sz="3600" dirty="0" err="1">
+                <a:solidFill>
+                  <a:srgbClr val="0070C0"/>
+                </a:solidFill>
+              </a:rPr>
+              <a:t>Алонзо</a:t>
+            </a:r>
+            <a:r>
+              <a:rPr lang="ru-RU" sz="3600" dirty="0">
+                <a:solidFill>
+                  <a:srgbClr val="0070C0"/>
+                </a:solidFill>
+              </a:rPr>
+              <a:t> </a:t>
+            </a:r>
+            <a:r>
+              <a:rPr lang="ru-RU" sz="3600" dirty="0" err="1">
+                <a:solidFill>
+                  <a:srgbClr val="0070C0"/>
+                </a:solidFill>
+              </a:rPr>
+              <a:t>Чёрчем</a:t>
+            </a:r>
+            <a:r>
+              <a:rPr lang="ru-RU" sz="3600" dirty="0"/>
+              <a:t>, для формализации и анализа понятия вычислимости.</a:t>
+            </a:r>
+          </a:p>
+        </p:txBody>
+      </p:sp>
+      <p:sp>
+        <p:nvSpPr>
+          <p:cNvPr id="4" name="Прямоугольник 3"/>
+          <p:cNvSpPr/>
+          <p:nvPr/>
+        </p:nvSpPr>
+        <p:spPr>
+          <a:xfrm>
+            <a:off x="9026327" y="8177312"/>
+            <a:ext cx="6579045" cy="400110"/>
+          </a:xfrm>
+          <a:prstGeom prst="rect">
+            <a:avLst/>
+          </a:prstGeom>
+        </p:spPr>
+        <p:txBody>
+          <a:bodyPr wrap="none">
+            <a:spAutoFit/>
+          </a:bodyPr>
+          <a:lstStyle/>
+          <a:p>
+            <a:r>
+              <a:rPr lang="ru-RU" sz="2000" i="1" dirty="0"/>
+              <a:t>Материал</a:t>
+            </a:r>
+            <a:r>
+              <a:rPr lang="ru-RU" sz="2000" dirty="0"/>
+              <a:t> из Википедии — свободной энциклопедии</a:t>
+            </a:r>
+          </a:p>
+        </p:txBody>
+      </p:sp>
     </p:spTree>
     <p:extLst>
       <p:ext uri="{BB962C8B-B14F-4D97-AF65-F5344CB8AC3E}">
-        <p14:creationId xmlns:p14="http://schemas.microsoft.com/office/powerpoint/2010/main" val="813838258"/>
+        <p14:creationId xmlns:p14="http://schemas.microsoft.com/office/powerpoint/2010/main" val="3151857553"/>
       </p:ext>
     </p:extLst>
   </p:cSld>
@@ -14224,11 +15166,11 @@
           <a:p>
             <a:r>
               <a:rPr lang="ru-RU" sz="6600" dirty="0"/>
-              <a:t>Выброс </a:t>
-            </a:r>
-            <a:r>
-              <a:rPr lang="ru-RU" sz="6600" dirty="0" smtClean="0"/>
-              <a:t>исключения</a:t>
+              <a:t>Анонимные функции, инструкция </a:t>
+            </a:r>
+            <a:r>
+              <a:rPr lang="en-US" sz="6600" dirty="0"/>
+              <a:t>lambda</a:t>
             </a:r>
             <a:endParaRPr lang="ru-RU" sz="6600" dirty="0"/>
           </a:p>
@@ -14291,10 +15233,66 @@
           </a:p>
         </p:txBody>
       </p:sp>
+      <p:sp>
+        <p:nvSpPr>
+          <p:cNvPr id="3" name="Прямоугольник 2"/>
+          <p:cNvSpPr/>
+          <p:nvPr/>
+        </p:nvSpPr>
+        <p:spPr>
+          <a:xfrm>
+            <a:off x="1155700" y="5415662"/>
+            <a:ext cx="13830300" cy="1815882"/>
+          </a:xfrm>
+          <a:prstGeom prst="rect">
+            <a:avLst/>
+          </a:prstGeom>
+        </p:spPr>
+        <p:txBody>
+          <a:bodyPr wrap="square">
+            <a:spAutoFit/>
+          </a:bodyPr>
+          <a:lstStyle/>
+          <a:p>
+            <a:r>
+              <a:rPr lang="ru-RU" sz="3600" dirty="0" err="1"/>
+              <a:t>Ля́мбда-исчисле́ние</a:t>
+            </a:r>
+            <a:r>
+              <a:rPr lang="ru-RU" sz="3600" dirty="0"/>
+              <a:t> (</a:t>
+            </a:r>
+            <a:r>
+              <a:rPr lang="ru-RU" sz="4000" dirty="0"/>
+              <a:t>λ-исчисление</a:t>
+            </a:r>
+            <a:r>
+              <a:rPr lang="ru-RU" sz="3600" dirty="0"/>
+              <a:t>) — формальная система, разработанная американским математиком </a:t>
+            </a:r>
+            <a:r>
+              <a:rPr lang="ru-RU" sz="3600" dirty="0" err="1"/>
+              <a:t>Алонзо</a:t>
+            </a:r>
+            <a:r>
+              <a:rPr lang="ru-RU" sz="3600" dirty="0"/>
+              <a:t> </a:t>
+            </a:r>
+            <a:r>
+              <a:rPr lang="ru-RU" sz="3600" dirty="0" err="1"/>
+              <a:t>Чёрчем</a:t>
+            </a:r>
+            <a:r>
+              <a:rPr lang="ru-RU" sz="3600" dirty="0"/>
+              <a:t>, для формализации и анализа понятия вычислимости.</a:t>
+            </a:r>
+          </a:p>
+        </p:txBody>
+      </p:sp>
     </p:spTree>
     <p:extLst>
       <p:ext uri="{BB962C8B-B14F-4D97-AF65-F5344CB8AC3E}">
-        <p14:creationId xmlns:p14="http://schemas.microsoft.com/office/powerpoint/2010/main" val="1928126494"/>
+        <p14:creationId xmlns:p14="http://schemas.microsoft.com/office/powerpoint/2010/main" val="2576099400"/>
       </p:ext>
     </p:extLst>
   </p:cSld>
@@ -14366,12 +15364,8 @@
           <a:lstStyle/>
           <a:p>
             <a:r>
-              <a:rPr lang="ru-RU" sz="6600" dirty="0"/>
-              <a:t>Стандартные </a:t>
-            </a:r>
-            <a:r>
               <a:rPr lang="ru-RU" sz="6600" dirty="0" smtClean="0"/>
-              <a:t>исключения</a:t>
+              <a:t>Рекурсия</a:t>
             </a:r>
             <a:endParaRPr lang="ru-RU" sz="6600" dirty="0"/>
           </a:p>
@@ -14437,7 +15431,146 @@
     </p:spTree>
     <p:extLst>
       <p:ext uri="{BB962C8B-B14F-4D97-AF65-F5344CB8AC3E}">
-        <p14:creationId xmlns:p14="http://schemas.microsoft.com/office/powerpoint/2010/main" val="1499807822"/>
+        <p14:creationId xmlns:p14="http://schemas.microsoft.com/office/powerpoint/2010/main" val="1839753206"/>
+      </p:ext>
+    </p:extLst>
+  </p:cSld>
+  <p:clrMapOvr>
+    <a:masterClrMapping/>
+  </p:clrMapOvr>
+  <p:timing>
+    <p:tnLst>
+      <p:par>
+        <p:cTn id="1" dur="indefinite" restart="never" nodeType="tmRoot"/>
+      </p:par>
+    </p:tnLst>
+  </p:timing>
+</p:sld>
+</file>
+
+<file path=ppt/slides/slide18.xml><?xml version="1.0" encoding="utf-8"?>
+<p:sld xmlns:a="http://schemas.openxmlformats.org/drawingml/2006/main" xmlns:r="http://schemas.openxmlformats.org/officeDocument/2006/relationships" xmlns:p="http://schemas.openxmlformats.org/presentationml/2006/main">
+  <p:cSld>
+    <p:bg>
+      <p:bgPr>
+        <a:solidFill>
+          <a:schemeClr val="bg1"/>
+        </a:solidFill>
+        <a:effectLst/>
+      </p:bgPr>
+    </p:bg>
+    <p:spTree>
+      <p:nvGrpSpPr>
+        <p:cNvPr id="1" name="Shape 212"/>
+        <p:cNvGrpSpPr/>
+        <p:nvPr/>
+      </p:nvGrpSpPr>
+      <p:grpSpPr>
+        <a:xfrm>
+          <a:off x="0" y="0"/>
+          <a:ext cx="0" cy="0"/>
+          <a:chOff x="0" y="0"/>
+          <a:chExt cx="0" cy="0"/>
+        </a:xfrm>
+      </p:grpSpPr>
+      <p:sp>
+        <p:nvSpPr>
+          <p:cNvPr id="213" name="Shape 213"/>
+          <p:cNvSpPr txBox="1">
+            <a:spLocks noGrp="1"/>
+          </p:cNvSpPr>
+          <p:nvPr>
+            <p:ph type="title"/>
+          </p:nvPr>
+        </p:nvSpPr>
+        <p:spPr>
+          <a:xfrm>
+            <a:off x="1155700" y="241300"/>
+            <a:ext cx="13931900" cy="2298699"/>
+          </a:xfrm>
+          <a:prstGeom prst="rect">
+            <a:avLst/>
+          </a:prstGeom>
+          <a:noFill/>
+          <a:ln>
+            <a:noFill/>
+          </a:ln>
+        </p:spPr>
+        <p:txBody>
+          <a:bodyPr lIns="38100" tIns="38100" rIns="38100" bIns="38100" anchor="ctr" anchorCtr="0">
+            <a:noAutofit/>
+          </a:bodyPr>
+          <a:lstStyle/>
+          <a:p>
+            <a:r>
+              <a:rPr lang="ru-RU" sz="6600" dirty="0" smtClean="0"/>
+              <a:t>Вложенные функции. Замыкания</a:t>
+            </a:r>
+            <a:endParaRPr lang="ru-RU" sz="6600" dirty="0"/>
+          </a:p>
+        </p:txBody>
+      </p:sp>
+      <p:sp>
+        <p:nvSpPr>
+          <p:cNvPr id="229" name="Shape 229"/>
+          <p:cNvSpPr txBox="1"/>
+          <p:nvPr/>
+        </p:nvSpPr>
+        <p:spPr>
+          <a:xfrm>
+            <a:off x="5038725" y="2997200"/>
+            <a:ext cx="1409700" cy="622299"/>
+          </a:xfrm>
+          <a:prstGeom prst="rect">
+            <a:avLst/>
+          </a:prstGeom>
+          <a:noFill/>
+          <a:ln>
+            <a:noFill/>
+          </a:ln>
+        </p:spPr>
+        <p:txBody>
+          <a:bodyPr lIns="0" tIns="0" rIns="0" bIns="0" anchor="ctr" anchorCtr="0">
+            <a:noAutofit/>
+          </a:bodyPr>
+          <a:lstStyle/>
+          <a:p>
+            <a:pPr marL="0" marR="0" lvl="0" indent="0" algn="ctr" rtl="0">
+              <a:lnSpc>
+                <a:spcPct val="100000"/>
+              </a:lnSpc>
+              <a:spcBef>
+                <a:spcPts val="0"/>
+              </a:spcBef>
+              <a:spcAft>
+                <a:spcPts val="0"/>
+              </a:spcAft>
+              <a:buClr>
+                <a:schemeClr val="lt1"/>
+              </a:buClr>
+              <a:buSzPct val="25000"/>
+              <a:buFont typeface="Cabin"/>
+              <a:buNone/>
+            </a:pPr>
+            <a:r>
+              <a:rPr lang="en-US" sz="3600" b="0" i="0" u="none" strike="noStrike" cap="none">
+                <a:solidFill>
+                  <a:schemeClr val="lt1"/>
+                </a:solidFill>
+                <a:latin typeface="Cabin"/>
+                <a:ea typeface="Cabin"/>
+                <a:cs typeface="Cabin"/>
+                <a:sym typeface="Cabin"/>
+              </a:rPr>
+              <a:t>hello():</a:t>
+            </a:r>
+          </a:p>
+        </p:txBody>
+      </p:sp>
+    </p:spTree>
+    <p:extLst>
+      <p:ext uri="{BB962C8B-B14F-4D97-AF65-F5344CB8AC3E}">
+        <p14:creationId xmlns:p14="http://schemas.microsoft.com/office/powerpoint/2010/main" val="2908637300"/>
       </p:ext>
     </p:extLst>
   </p:cSld>
@@ -14575,11 +15708,7 @@
             </a:pPr>
             <a:r>
               <a:rPr lang="ru-RU" sz="2800" dirty="0" smtClean="0"/>
-              <a:t>Для чего нужны функции</a:t>
-            </a:r>
-            <a:r>
-              <a:rPr lang="ru-RU" sz="2800" dirty="0" smtClean="0"/>
-              <a:t>?</a:t>
+              <a:t>Для чего нужны функции?</a:t>
             </a:r>
           </a:p>
           <a:p>
@@ -14733,7 +15862,6 @@
               <a:rPr lang="ru-RU" sz="2800" dirty="0" smtClean="0"/>
               <a:t>?</a:t>
             </a:r>
-            <a:endParaRPr lang="ru-RU" sz="2800" dirty="0" smtClean="0"/>
           </a:p>
         </p:txBody>
       </p:sp>
@@ -16402,6 +17530,156 @@
               </a:rPr>
               <a:t> исходя из 40-часовой рабочей недели.</a:t>
             </a:r>
+            <a:endParaRPr kumimoji="0" lang="en-US" sz="3400" b="0" i="0" u="none" strike="noStrike" kern="0" cap="none" spc="0" normalizeH="0" baseline="0" noProof="0" dirty="0" smtClean="0">
+              <a:ln>
+                <a:noFill/>
+              </a:ln>
+              <a:solidFill>
+                <a:srgbClr val="000000"/>
+              </a:solidFill>
+              <a:effectLst/>
+              <a:uLnTx/>
+              <a:uFillTx/>
+              <a:latin typeface="Cabin"/>
+              <a:ea typeface="Cabin"/>
+              <a:cs typeface="Cabin"/>
+              <a:sym typeface="Cabin"/>
+            </a:endParaRPr>
+          </a:p>
+          <a:p>
+            <a:pPr marL="0" marR="0" lvl="0" indent="0" algn="l" defTabSz="914400" rtl="0" eaLnBrk="1" fontAlgn="auto" latinLnBrk="0" hangingPunct="1">
+              <a:lnSpc>
+                <a:spcPct val="100000"/>
+              </a:lnSpc>
+              <a:spcBef>
+                <a:spcPts val="0"/>
+              </a:spcBef>
+              <a:spcAft>
+                <a:spcPts val="0"/>
+              </a:spcAft>
+              <a:buClr>
+                <a:srgbClr val="FFFFFF"/>
+              </a:buClr>
+              <a:buSzPct val="25000"/>
+              <a:buFontTx/>
+              <a:buNone/>
+              <a:tabLst/>
+              <a:defRPr/>
+            </a:pPr>
+            <a:endParaRPr lang="en-US" sz="3400" dirty="0">
+              <a:latin typeface="Cabin"/>
+              <a:ea typeface="Cabin"/>
+              <a:cs typeface="Cabin"/>
+              <a:sym typeface="Cabin"/>
+            </a:endParaRPr>
+          </a:p>
+          <a:p>
+            <a:pPr marL="0" marR="0" lvl="0" indent="0" algn="l" defTabSz="914400" rtl="0" eaLnBrk="1" fontAlgn="auto" latinLnBrk="0" hangingPunct="1">
+              <a:lnSpc>
+                <a:spcPct val="100000"/>
+              </a:lnSpc>
+              <a:spcBef>
+                <a:spcPts val="0"/>
+              </a:spcBef>
+              <a:spcAft>
+                <a:spcPts val="0"/>
+              </a:spcAft>
+              <a:buClr>
+                <a:srgbClr val="FFFFFF"/>
+              </a:buClr>
+              <a:buSzPct val="25000"/>
+              <a:buFontTx/>
+              <a:buNone/>
+              <a:tabLst/>
+              <a:defRPr/>
+            </a:pPr>
+            <a:r>
+              <a:rPr kumimoji="0" lang="ru-RU" sz="3400" b="0" i="0" u="none" strike="noStrike" kern="0" cap="none" spc="0" normalizeH="0" baseline="0" noProof="0" dirty="0" smtClean="0">
+                <a:ln>
+                  <a:noFill/>
+                </a:ln>
+                <a:solidFill>
+                  <a:srgbClr val="000000"/>
+                </a:solidFill>
+                <a:effectLst/>
+                <a:uLnTx/>
+                <a:uFillTx/>
+                <a:latin typeface="Cabin"/>
+                <a:ea typeface="Cabin"/>
+                <a:cs typeface="Cabin"/>
+                <a:sym typeface="Cabin"/>
+              </a:rPr>
+              <a:t>Написать комментарий к функции</a:t>
+            </a:r>
+            <a:r>
+              <a:rPr kumimoji="0" lang="ru-RU" sz="3400" b="0" i="0" u="none" strike="noStrike" kern="0" cap="none" spc="0" normalizeH="0" noProof="0" dirty="0" smtClean="0">
+                <a:ln>
+                  <a:noFill/>
+                </a:ln>
+                <a:solidFill>
+                  <a:srgbClr val="000000"/>
+                </a:solidFill>
+                <a:effectLst/>
+                <a:uLnTx/>
+                <a:uFillTx/>
+                <a:latin typeface="Cabin"/>
+                <a:ea typeface="Cabin"/>
+                <a:cs typeface="Cabin"/>
+                <a:sym typeface="Cabin"/>
+              </a:rPr>
+              <a:t> и </a:t>
+            </a:r>
+            <a:r>
+              <a:rPr kumimoji="0" lang="ru-RU" sz="3400" b="0" i="0" u="none" strike="noStrike" kern="0" cap="none" spc="0" normalizeH="0" noProof="0" dirty="0" err="1" smtClean="0">
+                <a:ln>
+                  <a:noFill/>
+                </a:ln>
+                <a:solidFill>
+                  <a:srgbClr val="000000"/>
+                </a:solidFill>
+                <a:effectLst/>
+                <a:uLnTx/>
+                <a:uFillTx/>
+                <a:latin typeface="Cabin"/>
+                <a:ea typeface="Cabin"/>
+                <a:cs typeface="Cabin"/>
+                <a:sym typeface="Cabin"/>
+              </a:rPr>
+              <a:t>автотест</a:t>
+            </a:r>
+            <a:r>
+              <a:rPr kumimoji="0" lang="ru-RU" sz="3400" b="0" i="0" u="none" strike="noStrike" kern="0" cap="none" spc="0" normalizeH="0" noProof="0" dirty="0" smtClean="0">
+                <a:ln>
+                  <a:noFill/>
+                </a:ln>
+                <a:solidFill>
+                  <a:srgbClr val="000000"/>
+                </a:solidFill>
+                <a:effectLst/>
+                <a:uLnTx/>
+                <a:uFillTx/>
+                <a:latin typeface="Cabin"/>
+                <a:ea typeface="Cabin"/>
+                <a:cs typeface="Cabin"/>
+                <a:sym typeface="Cabin"/>
+              </a:rPr>
+              <a:t>.</a:t>
+            </a:r>
+            <a:endParaRPr kumimoji="0" lang="ru-RU" sz="3400" b="0" i="0" u="none" strike="noStrike" kern="0" cap="none" spc="0" normalizeH="0" baseline="0" noProof="0" dirty="0" smtClean="0">
+              <a:ln>
+                <a:noFill/>
+              </a:ln>
+              <a:solidFill>
+                <a:srgbClr val="000000"/>
+              </a:solidFill>
+              <a:effectLst/>
+              <a:uLnTx/>
+              <a:uFillTx/>
+              <a:latin typeface="Cabin"/>
+              <a:ea typeface="Cabin"/>
+              <a:cs typeface="Cabin"/>
+              <a:sym typeface="Cabin"/>
+            </a:endParaRPr>
           </a:p>
           <a:p>
             <a:pPr marL="0" marR="0" lvl="0" indent="0" algn="l" defTabSz="914400" rtl="0" eaLnBrk="1" fontAlgn="auto" latinLnBrk="0" hangingPunct="1">
@@ -17012,7 +18290,7 @@
                 <a:cs typeface="Cabin"/>
                 <a:sym typeface="Cabin"/>
               </a:rPr>
-              <a:t>Возврате нескольких значений функцией</a:t>
+              <a:t>Квадратное уравнение</a:t>
             </a:r>
             <a:endParaRPr lang="en-US" sz="6600" dirty="0">
               <a:solidFill>
@@ -17080,6 +18358,205 @@
               </a:rPr>
               <a:t>hello():</a:t>
             </a:r>
+          </a:p>
+        </p:txBody>
+      </p:sp>
+      <p:sp>
+        <p:nvSpPr>
+          <p:cNvPr id="3" name="AutoShape 4" descr="ax^{2}+bx+c=0,"/>
+          <p:cNvSpPr>
+            <a:spLocks noChangeAspect="1" noChangeArrowheads="1"/>
+          </p:cNvSpPr>
+          <p:nvPr/>
+        </p:nvSpPr>
+        <p:spPr bwMode="auto">
+          <a:xfrm>
+            <a:off x="155575" y="-144463"/>
+            <a:ext cx="304800" cy="304801"/>
+          </a:xfrm>
+          <a:prstGeom prst="rect">
+            <a:avLst/>
+          </a:prstGeom>
+          <a:noFill/>
+          <a:extLst>
+            <a:ext uri="{909E8E84-426E-40DD-AFC4-6F175D3DCCD1}">
+              <a14:hiddenFill xmlns:a14="http://schemas.microsoft.com/office/drawing/2010/main">
+                <a:solidFill>
+                  <a:srgbClr val="FFFFFF"/>
+                </a:solidFill>
+              </a14:hiddenFill>
+            </a:ext>
+          </a:extLst>
+        </p:spPr>
+        <p:txBody>
+          <a:bodyPr vert="horz" wrap="square" lIns="91440" tIns="45720" rIns="91440" bIns="45720" numCol="1" anchor="t" anchorCtr="0" compatLnSpc="1">
+            <a:prstTxWarp prst="textNoShape">
+              <a:avLst/>
+            </a:prstTxWarp>
+          </a:bodyPr>
+          <a:lstStyle/>
+          <a:p>
+            <a:endParaRPr lang="ru-RU"/>
+          </a:p>
+        </p:txBody>
+      </p:sp>
+      <p:pic>
+        <p:nvPicPr>
+          <p:cNvPr id="1030" name="Picture 6"/>
+          <p:cNvPicPr>
+            <a:picLocks noChangeAspect="1" noChangeArrowheads="1"/>
+          </p:cNvPicPr>
+          <p:nvPr/>
+        </p:nvPicPr>
+        <p:blipFill rotWithShape="1">
+          <a:blip r:embed="rId3">
+            <a:extLst>
+              <a:ext uri="{28A0092B-C50C-407E-A947-70E740481C1C}">
+                <a14:useLocalDpi xmlns:a14="http://schemas.microsoft.com/office/drawing/2010/main" val="0"/>
+              </a:ext>
+            </a:extLst>
+          </a:blip>
+          <a:srcRect r="55653"/>
+          <a:stretch/>
+        </p:blipFill>
+        <p:spPr bwMode="auto">
+          <a:xfrm>
+            <a:off x="5743575" y="4293019"/>
+            <a:ext cx="3291066" cy="2403394"/>
+          </a:xfrm>
+          <a:prstGeom prst="rect">
+            <a:avLst/>
+          </a:prstGeom>
+          <a:noFill/>
+          <a:ln>
+            <a:noFill/>
+          </a:ln>
+          <a:effectLst/>
+          <a:extLst>
+            <a:ext uri="{909E8E84-426E-40DD-AFC4-6F175D3DCCD1}">
+              <a14:hiddenFill xmlns:a14="http://schemas.microsoft.com/office/drawing/2010/main">
+                <a:solidFill>
+                  <a:schemeClr val="accent1"/>
+                </a:solidFill>
+              </a14:hiddenFill>
+            </a:ext>
+            <a:ext uri="{91240B29-F687-4F45-9708-019B960494DF}">
+              <a14:hiddenLine xmlns:a14="http://schemas.microsoft.com/office/drawing/2010/main" w="9525">
+                <a:solidFill>
+                  <a:schemeClr val="tx1"/>
+                </a:solidFill>
+                <a:miter lim="800000"/>
+                <a:headEnd/>
+                <a:tailEnd/>
+              </a14:hiddenLine>
+            </a:ext>
+            <a:ext uri="{AF507438-7753-43E0-B8FC-AC1667EBCBE1}">
+              <a14:hiddenEffects xmlns:a14="http://schemas.microsoft.com/office/drawing/2010/main">
+                <a:effectLst>
+                  <a:outerShdw dist="35921" dir="2700000" algn="ctr" rotWithShape="0">
+                    <a:schemeClr val="bg2"/>
+                  </a:outerShdw>
+                </a:effectLst>
+              </a14:hiddenEffects>
+            </a:ext>
+          </a:extLst>
+        </p:spPr>
+      </p:pic>
+      <p:sp>
+        <p:nvSpPr>
+          <p:cNvPr id="5" name="TextBox 4"/>
+          <p:cNvSpPr txBox="1"/>
+          <p:nvPr/>
+        </p:nvSpPr>
+        <p:spPr>
+          <a:xfrm>
+            <a:off x="9144000" y="4860562"/>
+            <a:ext cx="3878826" cy="461665"/>
+          </a:xfrm>
+          <a:prstGeom prst="rect">
+            <a:avLst/>
+          </a:prstGeom>
+          <a:noFill/>
+        </p:spPr>
+        <p:txBody>
+          <a:bodyPr wrap="square" rtlCol="0">
+            <a:spAutoFit/>
+          </a:bodyPr>
+          <a:lstStyle/>
+          <a:p>
+            <a:r>
+              <a:rPr lang="ru-RU" sz="2400" dirty="0" smtClean="0"/>
+              <a:t>- дискриминант</a:t>
+            </a:r>
+            <a:endParaRPr lang="ru-RU" sz="2400" dirty="0"/>
+          </a:p>
+        </p:txBody>
+      </p:sp>
+      <p:sp>
+        <p:nvSpPr>
+          <p:cNvPr id="6" name="TextBox 5"/>
+          <p:cNvSpPr txBox="1"/>
+          <p:nvPr/>
+        </p:nvSpPr>
+        <p:spPr>
+          <a:xfrm>
+            <a:off x="9144000" y="5707624"/>
+            <a:ext cx="2861187" cy="461665"/>
+          </a:xfrm>
+          <a:prstGeom prst="rect">
+            <a:avLst/>
+          </a:prstGeom>
+          <a:noFill/>
+        </p:spPr>
+        <p:txBody>
+          <a:bodyPr wrap="square" rtlCol="0">
+            <a:spAutoFit/>
+          </a:bodyPr>
+          <a:lstStyle/>
+          <a:p>
+            <a:r>
+              <a:rPr lang="ru-RU" sz="2400" dirty="0" smtClean="0"/>
+              <a:t>- </a:t>
+            </a:r>
+            <a:r>
+              <a:rPr lang="ru-RU" sz="2400" dirty="0"/>
+              <a:t>к</a:t>
+            </a:r>
+            <a:r>
+              <a:rPr lang="ru-RU" sz="2400" dirty="0" smtClean="0"/>
+              <a:t>орни уравнения</a:t>
+            </a:r>
+            <a:endParaRPr lang="ru-RU" sz="2400" dirty="0"/>
+          </a:p>
+        </p:txBody>
+      </p:sp>
+      <p:sp>
+        <p:nvSpPr>
+          <p:cNvPr id="7" name="TextBox 6"/>
+          <p:cNvSpPr txBox="1"/>
+          <p:nvPr/>
+        </p:nvSpPr>
+        <p:spPr>
+          <a:xfrm>
+            <a:off x="9144000" y="4293019"/>
+            <a:ext cx="3884946" cy="461665"/>
+          </a:xfrm>
+          <a:prstGeom prst="rect">
+            <a:avLst/>
+          </a:prstGeom>
+          <a:noFill/>
+        </p:spPr>
+        <p:txBody>
+          <a:bodyPr wrap="square" rtlCol="0">
+            <a:spAutoFit/>
+          </a:bodyPr>
+          <a:lstStyle/>
+          <a:p>
+            <a:r>
+              <a:rPr lang="ru-RU" sz="2400" dirty="0" smtClean="0"/>
+              <a:t>- квадратное уравнение</a:t>
+            </a:r>
+            <a:endParaRPr lang="ru-RU" sz="2400" dirty="0"/>
           </a:p>
         </p:txBody>
       </p:sp>
@@ -17179,7 +18656,7 @@
                 <a:cs typeface="Cabin"/>
                 <a:sym typeface="Cabin"/>
               </a:rPr>
-              <a:t>Локальная и глобальная области видимости</a:t>
+              <a:t>Пример решения квадратного уравнения</a:t>
             </a:r>
             <a:endParaRPr lang="en-US" sz="6600" dirty="0">
               <a:solidFill>
@@ -17250,10 +18727,128 @@
           </a:p>
         </p:txBody>
       </p:sp>
+      <p:sp>
+        <p:nvSpPr>
+          <p:cNvPr id="3" name="AutoShape 4" descr="ax^{2}+bx+c=0,"/>
+          <p:cNvSpPr>
+            <a:spLocks noChangeAspect="1" noChangeArrowheads="1"/>
+          </p:cNvSpPr>
+          <p:nvPr/>
+        </p:nvSpPr>
+        <p:spPr bwMode="auto">
+          <a:xfrm>
+            <a:off x="155575" y="-144463"/>
+            <a:ext cx="304800" cy="304801"/>
+          </a:xfrm>
+          <a:prstGeom prst="rect">
+            <a:avLst/>
+          </a:prstGeom>
+          <a:noFill/>
+          <a:extLst>
+            <a:ext uri="{909E8E84-426E-40DD-AFC4-6F175D3DCCD1}">
+              <a14:hiddenFill xmlns:a14="http://schemas.microsoft.com/office/drawing/2010/main">
+                <a:solidFill>
+                  <a:srgbClr val="FFFFFF"/>
+                </a:solidFill>
+              </a14:hiddenFill>
+            </a:ext>
+          </a:extLst>
+        </p:spPr>
+        <p:txBody>
+          <a:bodyPr vert="horz" wrap="square" lIns="91440" tIns="45720" rIns="91440" bIns="45720" numCol="1" anchor="t" anchorCtr="0" compatLnSpc="1">
+            <a:prstTxWarp prst="textNoShape">
+              <a:avLst/>
+            </a:prstTxWarp>
+          </a:bodyPr>
+          <a:lstStyle/>
+          <a:p>
+            <a:endParaRPr lang="ru-RU"/>
+          </a:p>
+        </p:txBody>
+      </p:sp>
+      <p:pic>
+        <p:nvPicPr>
+          <p:cNvPr id="1033" name="Picture 9" descr="&amp;Kcy;&amp;acy;&amp;rcy;&amp;tcy;&amp;icy;&amp;ncy;&amp;kcy;&amp;icy; &amp;pcy;&amp;ocy; &amp;zcy;&amp;acy;&amp;pcy;&amp;rcy;&amp;ocy;&amp;scy;&amp;ucy; &amp;kcy;&amp;vcy;&amp;acy;&amp;dcy;&amp;rcy;&amp;acy;&amp;tcy;&amp;ncy;&amp;ocy;&amp;iecy; &amp;ucy;&amp;rcy;&amp;acy;&amp;vcy;&amp;ncy;&amp;iecy;&amp;ncy;&amp;icy;&amp;iecy;"/>
+          <p:cNvPicPr>
+            <a:picLocks noChangeAspect="1" noChangeArrowheads="1"/>
+          </p:cNvPicPr>
+          <p:nvPr/>
+        </p:nvPicPr>
+        <p:blipFill>
+          <a:blip r:embed="rId3">
+            <a:extLst>
+              <a:ext uri="{28A0092B-C50C-407E-A947-70E740481C1C}">
+                <a14:useLocalDpi xmlns:a14="http://schemas.microsoft.com/office/drawing/2010/main" val="0"/>
+              </a:ext>
+            </a:extLst>
+          </a:blip>
+          <a:srcRect/>
+          <a:stretch>
+            <a:fillRect/>
+          </a:stretch>
+        </p:blipFill>
+        <p:spPr bwMode="auto">
+          <a:xfrm>
+            <a:off x="3439752" y="2702232"/>
+            <a:ext cx="9612569" cy="5469221"/>
+          </a:xfrm>
+          <a:prstGeom prst="rect">
+            <a:avLst/>
+          </a:prstGeom>
+          <a:noFill/>
+          <a:extLst>
+            <a:ext uri="{909E8E84-426E-40DD-AFC4-6F175D3DCCD1}">
+              <a14:hiddenFill xmlns:a14="http://schemas.microsoft.com/office/drawing/2010/main">
+                <a:solidFill>
+                  <a:srgbClr val="FFFFFF"/>
+                </a:solidFill>
+              </a14:hiddenFill>
+            </a:ext>
+          </a:extLst>
+        </p:spPr>
+      </p:pic>
+      <p:sp>
+        <p:nvSpPr>
+          <p:cNvPr id="9" name="TextBox 8"/>
+          <p:cNvSpPr txBox="1"/>
+          <p:nvPr/>
+        </p:nvSpPr>
+        <p:spPr>
+          <a:xfrm>
+            <a:off x="1137313" y="7909843"/>
+            <a:ext cx="14217446" cy="523220"/>
+          </a:xfrm>
+          <a:prstGeom prst="rect">
+            <a:avLst/>
+          </a:prstGeom>
+          <a:noFill/>
+        </p:spPr>
+        <p:txBody>
+          <a:bodyPr wrap="square" rtlCol="0">
+            <a:spAutoFit/>
+          </a:bodyPr>
+          <a:lstStyle/>
+          <a:p>
+            <a:r>
+              <a:rPr lang="ru-RU" sz="2800" dirty="0" smtClean="0">
+                <a:solidFill>
+                  <a:srgbClr val="0070C0"/>
+                </a:solidFill>
+              </a:rPr>
+              <a:t>Необходимо написать функцию для нахождения корней квадратного уравнения.</a:t>
+            </a:r>
+            <a:endParaRPr lang="ru-RU" sz="2800" dirty="0">
+              <a:solidFill>
+                <a:srgbClr val="0070C0"/>
+              </a:solidFill>
+            </a:endParaRPr>
+          </a:p>
+        </p:txBody>
+      </p:sp>
     </p:spTree>
     <p:extLst>
       <p:ext uri="{BB962C8B-B14F-4D97-AF65-F5344CB8AC3E}">
-        <p14:creationId xmlns:p14="http://schemas.microsoft.com/office/powerpoint/2010/main" val="282937741"/>
+        <p14:creationId xmlns:p14="http://schemas.microsoft.com/office/powerpoint/2010/main" val="2691830599"/>
       </p:ext>
     </p:extLst>
   </p:cSld>
@@ -17263,9 +18858,125 @@
   <p:timing>
     <p:tnLst>
       <p:par>
-        <p:cTn id="1" dur="indefinite" restart="never" nodeType="tmRoot"/>
+        <p:cTn id="1" dur="indefinite" restart="never" nodeType="tmRoot">
+          <p:childTnLst>
+            <p:seq concurrent="1" nextAc="seek">
+              <p:cTn id="2" dur="indefinite" nodeType="mainSeq">
+                <p:childTnLst>
+                  <p:par>
+                    <p:cTn id="3" fill="hold">
+                      <p:stCondLst>
+                        <p:cond delay="indefinite"/>
+                      </p:stCondLst>
+                      <p:childTnLst>
+                        <p:par>
+                          <p:cTn id="4" fill="hold">
+                            <p:stCondLst>
+                              <p:cond delay="0"/>
+                            </p:stCondLst>
+                            <p:childTnLst>
+                              <p:par>
+                                <p:cTn id="5" presetID="1" presetClass="entr" presetSubtype="0" fill="hold" nodeType="clickEffect">
+                                  <p:stCondLst>
+                                    <p:cond delay="0"/>
+                                  </p:stCondLst>
+                                  <p:childTnLst>
+                                    <p:set>
+                                      <p:cBhvr>
+                                        <p:cTn id="6" dur="1" fill="hold">
+                                          <p:stCondLst>
+                                            <p:cond delay="0"/>
+                                          </p:stCondLst>
+                                        </p:cTn>
+                                        <p:tgtEl>
+                                          <p:spTgt spid="1033"/>
+                                        </p:tgtEl>
+                                        <p:attrNameLst>
+                                          <p:attrName>style.visibility</p:attrName>
+                                        </p:attrNameLst>
+                                      </p:cBhvr>
+                                      <p:to>
+                                        <p:strVal val="visible"/>
+                                      </p:to>
+                                    </p:set>
+                                  </p:childTnLst>
+                                </p:cTn>
+                              </p:par>
+                            </p:childTnLst>
+                          </p:cTn>
+                        </p:par>
+                      </p:childTnLst>
+                    </p:cTn>
+                  </p:par>
+                  <p:par>
+                    <p:cTn id="7" fill="hold">
+                      <p:stCondLst>
+                        <p:cond delay="indefinite"/>
+                      </p:stCondLst>
+                      <p:childTnLst>
+                        <p:par>
+                          <p:cTn id="8" fill="hold">
+                            <p:stCondLst>
+                              <p:cond delay="0"/>
+                            </p:stCondLst>
+                            <p:childTnLst>
+                              <p:par>
+                                <p:cTn id="9" presetID="1" presetClass="entr" presetSubtype="0" fill="hold" grpId="0" nodeType="clickEffect">
+                                  <p:stCondLst>
+                                    <p:cond delay="0"/>
+                                  </p:stCondLst>
+                                  <p:childTnLst>
+                                    <p:set>
+                                      <p:cBhvr>
+                                        <p:cTn id="10" dur="1" fill="hold">
+                                          <p:stCondLst>
+                                            <p:cond delay="0"/>
+                                          </p:stCondLst>
+                                        </p:cTn>
+                                        <p:tgtEl>
+                                          <p:spTgt spid="9"/>
+                                        </p:tgtEl>
+                                        <p:attrNameLst>
+                                          <p:attrName>style.visibility</p:attrName>
+                                        </p:attrNameLst>
+                                      </p:cBhvr>
+                                      <p:to>
+                                        <p:strVal val="visible"/>
+                                      </p:to>
+                                    </p:set>
+                                  </p:childTnLst>
+                                </p:cTn>
+                              </p:par>
+                            </p:childTnLst>
+                          </p:cTn>
+                        </p:par>
+                      </p:childTnLst>
+                    </p:cTn>
+                  </p:par>
+                </p:childTnLst>
+              </p:cTn>
+              <p:prevCondLst>
+                <p:cond evt="onPrev" delay="0">
+                  <p:tgtEl>
+                    <p:sldTgt/>
+                  </p:tgtEl>
+                </p:cond>
+              </p:prevCondLst>
+              <p:nextCondLst>
+                <p:cond evt="onNext" delay="0">
+                  <p:tgtEl>
+                    <p:sldTgt/>
+                  </p:tgtEl>
+                </p:cond>
+              </p:nextCondLst>
+            </p:seq>
+          </p:childTnLst>
+        </p:cTn>
       </p:par>
     </p:tnLst>
+    <p:bldLst>
+      <p:bldP spid="9" grpId="0"/>
+    </p:bldLst>
   </p:timing>
 </p:sld>
 </file>
@@ -17324,15 +19035,34 @@
           </a:bodyPr>
           <a:lstStyle/>
           <a:p>
-            <a:pPr lvl="0">
+            <a:pPr marL="0" marR="0" lvl="0" indent="0" algn="ctr" rtl="0">
+              <a:lnSpc>
+                <a:spcPct val="100000"/>
+              </a:lnSpc>
+              <a:spcBef>
+                <a:spcPts val="0"/>
+              </a:spcBef>
+              <a:spcAft>
+                <a:spcPts val="0"/>
+              </a:spcAft>
               <a:buClr>
                 <a:schemeClr val="lt1"/>
               </a:buClr>
               <a:buSzPct val="25000"/>
+              <a:buFont typeface="Cabin"/>
+              <a:buNone/>
             </a:pPr>
             <a:r>
-              <a:rPr lang="ru-RU" sz="6600" dirty="0" smtClean="0"/>
-              <a:t>Переменное количество позиционных аргументов</a:t>
+              <a:rPr lang="ru-RU" sz="6600" dirty="0" smtClean="0">
+                <a:solidFill>
+                  <a:schemeClr val="bg2"/>
+                </a:solidFill>
+                <a:latin typeface="Cabin"/>
+                <a:ea typeface="Cabin"/>
+                <a:cs typeface="Cabin"/>
+                <a:sym typeface="Cabin"/>
+              </a:rPr>
+              <a:t>Решение</a:t>
             </a:r>
             <a:endParaRPr lang="en-US" sz="6600" dirty="0">
               <a:solidFill>
@@ -17405,14 +19135,53 @@
       </p:sp>
       <p:sp>
         <p:nvSpPr>
-          <p:cNvPr id="2" name="Прямоугольник 1"/>
+          <p:cNvPr id="3" name="AutoShape 4" descr="ax^{2}+bx+c=0,"/>
+          <p:cNvSpPr>
+            <a:spLocks noChangeAspect="1" noChangeArrowheads="1"/>
+          </p:cNvSpPr>
+          <p:nvPr/>
+        </p:nvSpPr>
+        <p:spPr bwMode="auto">
+          <a:xfrm>
+            <a:off x="155575" y="-144463"/>
+            <a:ext cx="304800" cy="304801"/>
+          </a:xfrm>
+          <a:prstGeom prst="rect">
+            <a:avLst/>
+          </a:prstGeom>
+          <a:noFill/>
+          <a:extLst>
+            <a:ext uri="{909E8E84-426E-40DD-AFC4-6F175D3DCCD1}">
+              <a14:hiddenFill xmlns:a14="http://schemas.microsoft.com/office/drawing/2010/main">
+                <a:solidFill>
+                  <a:srgbClr val="FFFFFF"/>
+                </a:solidFill>
+              </a14:hiddenFill>
+            </a:ext>
+          </a:extLst>
+        </p:spPr>
+        <p:txBody>
+          <a:bodyPr vert="horz" wrap="square" lIns="91440" tIns="45720" rIns="91440" bIns="45720" numCol="1" anchor="t" anchorCtr="0" compatLnSpc="1">
+            <a:prstTxWarp prst="textNoShape">
+              <a:avLst/>
+            </a:prstTxWarp>
+          </a:bodyPr>
+          <a:lstStyle/>
+          <a:p>
+            <a:endParaRPr lang="ru-RU"/>
+          </a:p>
+        </p:txBody>
+      </p:sp>
+      <p:sp>
+        <p:nvSpPr>
+          <p:cNvPr id="5" name="Прямоугольник 4"/>
           <p:cNvSpPr/>
           <p:nvPr/>
         </p:nvSpPr>
         <p:spPr>
           <a:xfrm>
-            <a:off x="863600" y="3091190"/>
-            <a:ext cx="14490700" cy="1077218"/>
+            <a:off x="2064774" y="2445954"/>
+            <a:ext cx="13258800" cy="6001643"/>
           </a:xfrm>
           <a:prstGeom prst="rect">
             <a:avLst/>
@@ -17425,16 +19194,908 @@
           <a:lstStyle/>
           <a:p>
             <a:r>
-              <a:rPr lang="ru-RU" sz="3200" dirty="0"/>
-              <a:t>Функция также может принимать переменное количество позиционных аргументов, тогда перед именем ставится *:</a:t>
-            </a:r>
+              <a:rPr lang="en-US" sz="3200" dirty="0">
+                <a:highlight>
+                  <a:srgbClr val="FFFFFF"/>
+                </a:highlight>
+                <a:latin typeface="Courier New" pitchFamily="49" charset="0"/>
+                <a:cs typeface="Courier New" pitchFamily="49" charset="0"/>
+              </a:rPr>
+              <a:t>&gt;&gt;&gt; </a:t>
+            </a:r>
+            <a:r>
+              <a:rPr lang="en-US" sz="3200" dirty="0">
+                <a:solidFill>
+                  <a:srgbClr val="0000FF"/>
+                </a:solidFill>
+                <a:highlight>
+                  <a:srgbClr val="FFFFFF"/>
+                </a:highlight>
+                <a:latin typeface="Courier New" pitchFamily="49" charset="0"/>
+                <a:cs typeface="Courier New" pitchFamily="49" charset="0"/>
+              </a:rPr>
+              <a:t>import</a:t>
+            </a:r>
+            <a:r>
+              <a:rPr lang="en-US" sz="3200" dirty="0">
+                <a:highlight>
+                  <a:srgbClr val="FFFFFF"/>
+                </a:highlight>
+                <a:latin typeface="Courier New" pitchFamily="49" charset="0"/>
+                <a:cs typeface="Courier New" pitchFamily="49" charset="0"/>
+              </a:rPr>
+              <a:t> </a:t>
+            </a:r>
+            <a:r>
+              <a:rPr lang="en-US" sz="3200" dirty="0" smtClean="0">
+                <a:solidFill>
+                  <a:srgbClr val="00B0F0"/>
+                </a:solidFill>
+                <a:highlight>
+                  <a:srgbClr val="FFFFFF"/>
+                </a:highlight>
+                <a:latin typeface="Courier New" pitchFamily="49" charset="0"/>
+                <a:cs typeface="Courier New" pitchFamily="49" charset="0"/>
+              </a:rPr>
+              <a:t>math</a:t>
+            </a:r>
+            <a:r>
+              <a:rPr lang="ru-RU" sz="3200" dirty="0" smtClean="0">
+                <a:highlight>
+                  <a:srgbClr val="FFFFFF"/>
+                </a:highlight>
+                <a:latin typeface="Courier New" pitchFamily="49" charset="0"/>
+                <a:cs typeface="Courier New" pitchFamily="49" charset="0"/>
+              </a:rPr>
+              <a:t>    </a:t>
+            </a:r>
+            <a:r>
+              <a:rPr lang="en-US" sz="3200" dirty="0" smtClean="0">
+                <a:highlight>
+                  <a:srgbClr val="FFFFFF"/>
+                </a:highlight>
+                <a:latin typeface="Courier New" pitchFamily="49" charset="0"/>
+                <a:cs typeface="Courier New" pitchFamily="49" charset="0"/>
+              </a:rPr>
+              <a:t> </a:t>
+            </a:r>
+            <a:r>
+              <a:rPr lang="en-US" sz="3200" dirty="0" smtClean="0">
+                <a:solidFill>
+                  <a:schemeClr val="tx1"/>
+                </a:solidFill>
+                <a:highlight>
+                  <a:srgbClr val="FFFFFF"/>
+                </a:highlight>
+                <a:latin typeface="Courier New" pitchFamily="49" charset="0"/>
+                <a:cs typeface="Courier New" pitchFamily="49" charset="0"/>
+              </a:rPr>
+              <a:t># </a:t>
+            </a:r>
+            <a:r>
+              <a:rPr lang="ru-RU" sz="3200" dirty="0" smtClean="0">
+                <a:solidFill>
+                  <a:schemeClr val="tx1"/>
+                </a:solidFill>
+                <a:highlight>
+                  <a:srgbClr val="FFFFFF"/>
+                </a:highlight>
+                <a:latin typeface="Courier New" pitchFamily="49" charset="0"/>
+                <a:cs typeface="Courier New" pitchFamily="49" charset="0"/>
+              </a:rPr>
+              <a:t>импортировать математические </a:t>
+            </a:r>
+            <a:r>
+              <a:rPr lang="ru-RU" sz="3200" dirty="0" smtClean="0">
+                <a:highlight>
+                  <a:srgbClr val="FFFFFF"/>
+                </a:highlight>
+                <a:latin typeface="Courier New" pitchFamily="49" charset="0"/>
+                <a:cs typeface="Courier New" pitchFamily="49" charset="0"/>
+              </a:rPr>
+              <a:t>	</a:t>
+            </a:r>
+            <a:r>
+              <a:rPr lang="en-US" sz="3200" dirty="0">
+                <a:highlight>
+                  <a:srgbClr val="FFFFFF"/>
+                </a:highlight>
+                <a:latin typeface="Courier New" pitchFamily="49" charset="0"/>
+                <a:cs typeface="Courier New" pitchFamily="49" charset="0"/>
+              </a:rPr>
+              <a:t> </a:t>
+            </a:r>
+            <a:r>
+              <a:rPr lang="en-US" sz="3200" dirty="0" smtClean="0">
+                <a:highlight>
+                  <a:srgbClr val="FFFFFF"/>
+                </a:highlight>
+                <a:latin typeface="Courier New" pitchFamily="49" charset="0"/>
+                <a:cs typeface="Courier New" pitchFamily="49" charset="0"/>
+              </a:rPr>
+              <a:t>           </a:t>
+            </a:r>
+          </a:p>
+          <a:p>
+            <a:r>
+              <a:rPr lang="en-US" sz="3200" dirty="0">
+                <a:highlight>
+                  <a:srgbClr val="FFFFFF"/>
+                </a:highlight>
+                <a:latin typeface="Courier New" pitchFamily="49" charset="0"/>
+                <a:cs typeface="Courier New" pitchFamily="49" charset="0"/>
+              </a:rPr>
+              <a:t> </a:t>
+            </a:r>
+            <a:r>
+              <a:rPr lang="en-US" sz="3200" dirty="0" smtClean="0">
+                <a:highlight>
+                  <a:srgbClr val="FFFFFF"/>
+                </a:highlight>
+                <a:latin typeface="Courier New" pitchFamily="49" charset="0"/>
+                <a:cs typeface="Courier New" pitchFamily="49" charset="0"/>
+              </a:rPr>
+              <a:t>                   </a:t>
+            </a:r>
+            <a:r>
+              <a:rPr lang="en-US" sz="3200" dirty="0" smtClean="0">
+                <a:solidFill>
+                  <a:schemeClr val="tx1"/>
+                </a:solidFill>
+                <a:highlight>
+                  <a:srgbClr val="FFFFFF"/>
+                </a:highlight>
+                <a:latin typeface="Courier New" pitchFamily="49" charset="0"/>
+                <a:cs typeface="Courier New" pitchFamily="49" charset="0"/>
+              </a:rPr>
+              <a:t># </a:t>
+            </a:r>
+            <a:r>
+              <a:rPr lang="ru-RU" sz="3200" dirty="0" smtClean="0">
+                <a:solidFill>
+                  <a:schemeClr val="tx1"/>
+                </a:solidFill>
+                <a:highlight>
+                  <a:srgbClr val="FFFFFF"/>
+                </a:highlight>
+                <a:latin typeface="Courier New" pitchFamily="49" charset="0"/>
+                <a:cs typeface="Courier New" pitchFamily="49" charset="0"/>
+              </a:rPr>
+              <a:t>функции</a:t>
+            </a:r>
+            <a:r>
+              <a:rPr lang="en-US" sz="3200" dirty="0" smtClean="0">
+                <a:solidFill>
+                  <a:schemeClr val="tx1"/>
+                </a:solidFill>
+                <a:highlight>
+                  <a:srgbClr val="FFFFFF"/>
+                </a:highlight>
+                <a:latin typeface="Courier New" pitchFamily="49" charset="0"/>
+                <a:cs typeface="Courier New" pitchFamily="49" charset="0"/>
+              </a:rPr>
+              <a:t> </a:t>
+            </a:r>
+            <a:r>
+              <a:rPr lang="ru-RU" sz="3200" dirty="0" smtClean="0">
+                <a:solidFill>
+                  <a:schemeClr val="tx1"/>
+                </a:solidFill>
+                <a:highlight>
+                  <a:srgbClr val="FFFFFF"/>
+                </a:highlight>
+                <a:latin typeface="Courier New" pitchFamily="49" charset="0"/>
+                <a:cs typeface="Courier New" pitchFamily="49" charset="0"/>
+              </a:rPr>
+              <a:t>из пакета </a:t>
+            </a:r>
+            <a:r>
+              <a:rPr lang="en-US" sz="3200" dirty="0" smtClean="0">
+                <a:solidFill>
+                  <a:srgbClr val="00B0F0"/>
+                </a:solidFill>
+                <a:highlight>
+                  <a:srgbClr val="FFFFFF"/>
+                </a:highlight>
+                <a:latin typeface="Courier New" pitchFamily="49" charset="0"/>
+                <a:cs typeface="Courier New" pitchFamily="49" charset="0"/>
+              </a:rPr>
+              <a:t>math</a:t>
+            </a:r>
+            <a:endParaRPr lang="ru-RU" sz="3200" dirty="0" smtClean="0">
+              <a:solidFill>
+                <a:srgbClr val="00B0F0"/>
+              </a:solidFill>
+              <a:highlight>
+                <a:srgbClr val="FFFFFF"/>
+              </a:highlight>
+              <a:latin typeface="Courier New" pitchFamily="49" charset="0"/>
+              <a:cs typeface="Courier New" pitchFamily="49" charset="0"/>
+            </a:endParaRPr>
+          </a:p>
+          <a:p>
+            <a:r>
+              <a:rPr lang="en-US" sz="3200" dirty="0" smtClean="0">
+                <a:highlight>
+                  <a:srgbClr val="FFFFFF"/>
+                </a:highlight>
+                <a:latin typeface="Courier New" pitchFamily="49" charset="0"/>
+                <a:cs typeface="Courier New" pitchFamily="49" charset="0"/>
+              </a:rPr>
+              <a:t>&gt;&gt;&gt; </a:t>
+            </a:r>
+            <a:r>
+              <a:rPr lang="en-US" sz="3200" dirty="0" err="1">
+                <a:solidFill>
+                  <a:srgbClr val="0000FF"/>
+                </a:solidFill>
+                <a:highlight>
+                  <a:srgbClr val="FFFFFF"/>
+                </a:highlight>
+                <a:latin typeface="Courier New" pitchFamily="49" charset="0"/>
+                <a:cs typeface="Courier New" pitchFamily="49" charset="0"/>
+              </a:rPr>
+              <a:t>def</a:t>
+            </a:r>
+            <a:r>
+              <a:rPr lang="en-US" sz="3200" dirty="0">
+                <a:highlight>
+                  <a:srgbClr val="FFFFFF"/>
+                </a:highlight>
+                <a:latin typeface="Courier New" pitchFamily="49" charset="0"/>
+                <a:cs typeface="Courier New" pitchFamily="49" charset="0"/>
+              </a:rPr>
+              <a:t> </a:t>
+            </a:r>
+            <a:r>
+              <a:rPr lang="en-US" sz="3200" dirty="0" err="1">
+                <a:solidFill>
+                  <a:srgbClr val="FF00FF"/>
+                </a:solidFill>
+                <a:highlight>
+                  <a:srgbClr val="FFFFFF"/>
+                </a:highlight>
+                <a:latin typeface="Courier New" pitchFamily="49" charset="0"/>
+                <a:cs typeface="Courier New" pitchFamily="49" charset="0"/>
+              </a:rPr>
+              <a:t>solve_equation</a:t>
+            </a:r>
+            <a:r>
+              <a:rPr lang="en-US" sz="3200" dirty="0">
+                <a:highlight>
+                  <a:srgbClr val="FFFFFF"/>
+                </a:highlight>
+                <a:latin typeface="Courier New" pitchFamily="49" charset="0"/>
+                <a:cs typeface="Courier New" pitchFamily="49" charset="0"/>
+              </a:rPr>
+              <a:t>(</a:t>
+            </a:r>
+            <a:r>
+              <a:rPr lang="en-US" sz="3200" dirty="0">
+                <a:solidFill>
+                  <a:srgbClr val="FFC000"/>
+                </a:solidFill>
+                <a:highlight>
+                  <a:srgbClr val="FFFFFF"/>
+                </a:highlight>
+                <a:latin typeface="Courier New" pitchFamily="49" charset="0"/>
+                <a:cs typeface="Courier New" pitchFamily="49" charset="0"/>
+              </a:rPr>
+              <a:t>a</a:t>
+            </a:r>
+            <a:r>
+              <a:rPr lang="en-US" sz="3200" dirty="0">
+                <a:highlight>
+                  <a:srgbClr val="FFFFFF"/>
+                </a:highlight>
+                <a:latin typeface="Courier New" pitchFamily="49" charset="0"/>
+                <a:cs typeface="Courier New" pitchFamily="49" charset="0"/>
+              </a:rPr>
+              <a:t>, </a:t>
+            </a:r>
+            <a:r>
+              <a:rPr lang="en-US" sz="3200" dirty="0">
+                <a:solidFill>
+                  <a:srgbClr val="00B050"/>
+                </a:solidFill>
+                <a:highlight>
+                  <a:srgbClr val="FFFFFF"/>
+                </a:highlight>
+                <a:latin typeface="Courier New" pitchFamily="49" charset="0"/>
+                <a:cs typeface="Courier New" pitchFamily="49" charset="0"/>
+              </a:rPr>
+              <a:t>b</a:t>
+            </a:r>
+            <a:r>
+              <a:rPr lang="en-US" sz="3200" dirty="0">
+                <a:highlight>
+                  <a:srgbClr val="FFFFFF"/>
+                </a:highlight>
+                <a:latin typeface="Courier New" pitchFamily="49" charset="0"/>
+                <a:cs typeface="Courier New" pitchFamily="49" charset="0"/>
+              </a:rPr>
+              <a:t>, </a:t>
+            </a:r>
+            <a:r>
+              <a:rPr lang="en-US" sz="3200" dirty="0">
+                <a:solidFill>
+                  <a:srgbClr val="7030A0"/>
+                </a:solidFill>
+                <a:highlight>
+                  <a:srgbClr val="FFFFFF"/>
+                </a:highlight>
+                <a:latin typeface="Courier New" pitchFamily="49" charset="0"/>
+                <a:cs typeface="Courier New" pitchFamily="49" charset="0"/>
+              </a:rPr>
+              <a:t>c</a:t>
+            </a:r>
+            <a:r>
+              <a:rPr lang="en-US" sz="3200" dirty="0">
+                <a:highlight>
+                  <a:srgbClr val="FFFFFF"/>
+                </a:highlight>
+                <a:latin typeface="Courier New" pitchFamily="49" charset="0"/>
+                <a:cs typeface="Courier New" pitchFamily="49" charset="0"/>
+              </a:rPr>
+              <a:t>):</a:t>
+            </a:r>
+          </a:p>
+          <a:p>
+            <a:r>
+              <a:rPr lang="en-US" sz="3200" dirty="0">
+                <a:highlight>
+                  <a:srgbClr val="FFFFFF"/>
+                </a:highlight>
+                <a:latin typeface="Courier New" pitchFamily="49" charset="0"/>
+                <a:cs typeface="Courier New" pitchFamily="49" charset="0"/>
+              </a:rPr>
+              <a:t>...     D = </a:t>
+            </a:r>
+            <a:r>
+              <a:rPr lang="en-US" sz="3200" dirty="0">
+                <a:solidFill>
+                  <a:srgbClr val="00B050"/>
+                </a:solidFill>
+                <a:highlight>
+                  <a:srgbClr val="FFFFFF"/>
+                </a:highlight>
+                <a:latin typeface="Courier New" pitchFamily="49" charset="0"/>
+                <a:cs typeface="Courier New" pitchFamily="49" charset="0"/>
+              </a:rPr>
+              <a:t>b</a:t>
+            </a:r>
+            <a:r>
+              <a:rPr lang="en-US" sz="3200" dirty="0">
+                <a:highlight>
+                  <a:srgbClr val="FFFFFF"/>
+                </a:highlight>
+                <a:latin typeface="Courier New" pitchFamily="49" charset="0"/>
+                <a:cs typeface="Courier New" pitchFamily="49" charset="0"/>
+              </a:rPr>
+              <a:t>*</a:t>
+            </a:r>
+            <a:r>
+              <a:rPr lang="en-US" sz="3200" dirty="0">
+                <a:solidFill>
+                  <a:srgbClr val="00B050"/>
+                </a:solidFill>
+                <a:highlight>
+                  <a:srgbClr val="FFFFFF"/>
+                </a:highlight>
+                <a:latin typeface="Courier New" pitchFamily="49" charset="0"/>
+                <a:cs typeface="Courier New" pitchFamily="49" charset="0"/>
+              </a:rPr>
+              <a:t>b</a:t>
+            </a:r>
+            <a:r>
+              <a:rPr lang="en-US" sz="3200" dirty="0">
+                <a:highlight>
+                  <a:srgbClr val="FFFFFF"/>
+                </a:highlight>
+                <a:latin typeface="Courier New" pitchFamily="49" charset="0"/>
+                <a:cs typeface="Courier New" pitchFamily="49" charset="0"/>
+              </a:rPr>
+              <a:t> - 4*</a:t>
+            </a:r>
+            <a:r>
+              <a:rPr lang="en-US" sz="3200" dirty="0">
+                <a:solidFill>
+                  <a:srgbClr val="FFC000"/>
+                </a:solidFill>
+                <a:highlight>
+                  <a:srgbClr val="FFFFFF"/>
+                </a:highlight>
+                <a:latin typeface="Courier New" pitchFamily="49" charset="0"/>
+                <a:cs typeface="Courier New" pitchFamily="49" charset="0"/>
+              </a:rPr>
+              <a:t>a</a:t>
+            </a:r>
+            <a:r>
+              <a:rPr lang="en-US" sz="3200" dirty="0">
+                <a:highlight>
+                  <a:srgbClr val="FFFFFF"/>
+                </a:highlight>
+                <a:latin typeface="Courier New" pitchFamily="49" charset="0"/>
+                <a:cs typeface="Courier New" pitchFamily="49" charset="0"/>
+              </a:rPr>
+              <a:t>*</a:t>
+            </a:r>
+            <a:r>
+              <a:rPr lang="en-US" sz="3200" dirty="0">
+                <a:solidFill>
+                  <a:srgbClr val="7030A0"/>
+                </a:solidFill>
+                <a:highlight>
+                  <a:srgbClr val="FFFFFF"/>
+                </a:highlight>
+                <a:latin typeface="Courier New" pitchFamily="49" charset="0"/>
+                <a:cs typeface="Courier New" pitchFamily="49" charset="0"/>
+              </a:rPr>
+              <a:t>c</a:t>
+            </a:r>
+          </a:p>
+          <a:p>
+            <a:r>
+              <a:rPr lang="en-US" sz="3200" dirty="0">
+                <a:highlight>
+                  <a:srgbClr val="FFFFFF"/>
+                </a:highlight>
+                <a:latin typeface="Courier New" pitchFamily="49" charset="0"/>
+                <a:cs typeface="Courier New" pitchFamily="49" charset="0"/>
+              </a:rPr>
+              <a:t>...     x1 = (-</a:t>
+            </a:r>
+            <a:r>
+              <a:rPr lang="en-US" sz="3200" dirty="0">
+                <a:solidFill>
+                  <a:srgbClr val="00B050"/>
+                </a:solidFill>
+                <a:highlight>
+                  <a:srgbClr val="FFFFFF"/>
+                </a:highlight>
+                <a:latin typeface="Courier New" pitchFamily="49" charset="0"/>
+                <a:cs typeface="Courier New" pitchFamily="49" charset="0"/>
+              </a:rPr>
+              <a:t>b</a:t>
+            </a:r>
+            <a:r>
+              <a:rPr lang="en-US" sz="3200" dirty="0">
+                <a:highlight>
+                  <a:srgbClr val="FFFFFF"/>
+                </a:highlight>
+                <a:latin typeface="Courier New" pitchFamily="49" charset="0"/>
+                <a:cs typeface="Courier New" pitchFamily="49" charset="0"/>
+              </a:rPr>
+              <a:t> + </a:t>
+            </a:r>
+            <a:r>
+              <a:rPr lang="en-US" sz="3200" dirty="0" err="1">
+                <a:solidFill>
+                  <a:srgbClr val="00B0F0"/>
+                </a:solidFill>
+                <a:highlight>
+                  <a:srgbClr val="FFFFFF"/>
+                </a:highlight>
+                <a:latin typeface="Courier New" pitchFamily="49" charset="0"/>
+                <a:cs typeface="Courier New" pitchFamily="49" charset="0"/>
+              </a:rPr>
+              <a:t>math</a:t>
+            </a:r>
+            <a:r>
+              <a:rPr lang="en-US" sz="3200" dirty="0" err="1">
+                <a:highlight>
+                  <a:srgbClr val="FFFFFF"/>
+                </a:highlight>
+                <a:latin typeface="Courier New" pitchFamily="49" charset="0"/>
+                <a:cs typeface="Courier New" pitchFamily="49" charset="0"/>
+              </a:rPr>
+              <a:t>.sqrt</a:t>
+            </a:r>
+            <a:r>
+              <a:rPr lang="en-US" sz="3200" dirty="0">
+                <a:highlight>
+                  <a:srgbClr val="FFFFFF"/>
+                </a:highlight>
+                <a:latin typeface="Courier New" pitchFamily="49" charset="0"/>
+                <a:cs typeface="Courier New" pitchFamily="49" charset="0"/>
+              </a:rPr>
+              <a:t>(D))/(2*</a:t>
+            </a:r>
+            <a:r>
+              <a:rPr lang="en-US" sz="3200" dirty="0">
+                <a:solidFill>
+                  <a:srgbClr val="FFC000"/>
+                </a:solidFill>
+                <a:highlight>
+                  <a:srgbClr val="FFFFFF"/>
+                </a:highlight>
+                <a:latin typeface="Courier New" pitchFamily="49" charset="0"/>
+                <a:cs typeface="Courier New" pitchFamily="49" charset="0"/>
+              </a:rPr>
+              <a:t>a</a:t>
+            </a:r>
+            <a:r>
+              <a:rPr lang="en-US" sz="3200" dirty="0">
+                <a:highlight>
+                  <a:srgbClr val="FFFFFF"/>
+                </a:highlight>
+                <a:latin typeface="Courier New" pitchFamily="49" charset="0"/>
+                <a:cs typeface="Courier New" pitchFamily="49" charset="0"/>
+              </a:rPr>
+              <a:t>)</a:t>
+            </a:r>
+          </a:p>
+          <a:p>
+            <a:r>
+              <a:rPr lang="en-US" sz="3200" dirty="0">
+                <a:highlight>
+                  <a:srgbClr val="FFFFFF"/>
+                </a:highlight>
+                <a:latin typeface="Courier New" pitchFamily="49" charset="0"/>
+                <a:cs typeface="Courier New" pitchFamily="49" charset="0"/>
+              </a:rPr>
+              <a:t>...     x2 = (-</a:t>
+            </a:r>
+            <a:r>
+              <a:rPr lang="en-US" sz="3200" dirty="0">
+                <a:solidFill>
+                  <a:srgbClr val="00B050"/>
+                </a:solidFill>
+                <a:highlight>
+                  <a:srgbClr val="FFFFFF"/>
+                </a:highlight>
+                <a:latin typeface="Courier New" pitchFamily="49" charset="0"/>
+                <a:cs typeface="Courier New" pitchFamily="49" charset="0"/>
+              </a:rPr>
+              <a:t>b</a:t>
+            </a:r>
+            <a:r>
+              <a:rPr lang="en-US" sz="3200" dirty="0">
+                <a:highlight>
+                  <a:srgbClr val="FFFFFF"/>
+                </a:highlight>
+                <a:latin typeface="Courier New" pitchFamily="49" charset="0"/>
+                <a:cs typeface="Courier New" pitchFamily="49" charset="0"/>
+              </a:rPr>
+              <a:t> - </a:t>
+            </a:r>
+            <a:r>
+              <a:rPr lang="en-US" sz="3200" dirty="0" err="1">
+                <a:solidFill>
+                  <a:srgbClr val="00B0F0"/>
+                </a:solidFill>
+                <a:highlight>
+                  <a:srgbClr val="FFFFFF"/>
+                </a:highlight>
+                <a:latin typeface="Courier New" pitchFamily="49" charset="0"/>
+                <a:cs typeface="Courier New" pitchFamily="49" charset="0"/>
+              </a:rPr>
+              <a:t>math</a:t>
+            </a:r>
+            <a:r>
+              <a:rPr lang="en-US" sz="3200" dirty="0" err="1">
+                <a:highlight>
+                  <a:srgbClr val="FFFFFF"/>
+                </a:highlight>
+                <a:latin typeface="Courier New" pitchFamily="49" charset="0"/>
+                <a:cs typeface="Courier New" pitchFamily="49" charset="0"/>
+              </a:rPr>
+              <a:t>.sqrt</a:t>
+            </a:r>
+            <a:r>
+              <a:rPr lang="en-US" sz="3200" dirty="0">
+                <a:highlight>
+                  <a:srgbClr val="FFFFFF"/>
+                </a:highlight>
+                <a:latin typeface="Courier New" pitchFamily="49" charset="0"/>
+                <a:cs typeface="Courier New" pitchFamily="49" charset="0"/>
+              </a:rPr>
+              <a:t>(D))/(2*</a:t>
+            </a:r>
+            <a:r>
+              <a:rPr lang="en-US" sz="3200" dirty="0">
+                <a:solidFill>
+                  <a:srgbClr val="FFC000"/>
+                </a:solidFill>
+                <a:highlight>
+                  <a:srgbClr val="FFFFFF"/>
+                </a:highlight>
+                <a:latin typeface="Courier New" pitchFamily="49" charset="0"/>
+                <a:cs typeface="Courier New" pitchFamily="49" charset="0"/>
+              </a:rPr>
+              <a:t>a</a:t>
+            </a:r>
+            <a:r>
+              <a:rPr lang="en-US" sz="3200" dirty="0">
+                <a:highlight>
+                  <a:srgbClr val="FFFFFF"/>
+                </a:highlight>
+                <a:latin typeface="Courier New" pitchFamily="49" charset="0"/>
+                <a:cs typeface="Courier New" pitchFamily="49" charset="0"/>
+              </a:rPr>
+              <a:t>)</a:t>
+            </a:r>
+          </a:p>
+          <a:p>
+            <a:r>
+              <a:rPr lang="en-US" sz="3200" dirty="0">
+                <a:highlight>
+                  <a:srgbClr val="FFFFFF"/>
+                </a:highlight>
+                <a:latin typeface="Courier New" pitchFamily="49" charset="0"/>
+                <a:cs typeface="Courier New" pitchFamily="49" charset="0"/>
+              </a:rPr>
+              <a:t>...     print(</a:t>
+            </a:r>
+            <a:r>
+              <a:rPr lang="en-US" sz="3200" dirty="0" smtClean="0">
+                <a:solidFill>
+                  <a:srgbClr val="A31515"/>
+                </a:solidFill>
+                <a:highlight>
+                  <a:srgbClr val="FFFFFF"/>
+                </a:highlight>
+                <a:latin typeface="Courier New" pitchFamily="49" charset="0"/>
+                <a:cs typeface="Courier New" pitchFamily="49" charset="0"/>
+              </a:rPr>
+              <a:t>'x1 ='</a:t>
+            </a:r>
+            <a:r>
+              <a:rPr lang="en-US" sz="3200" dirty="0" smtClean="0">
+                <a:highlight>
+                  <a:srgbClr val="FFFFFF"/>
+                </a:highlight>
+                <a:latin typeface="Courier New" pitchFamily="49" charset="0"/>
+                <a:cs typeface="Courier New" pitchFamily="49" charset="0"/>
+              </a:rPr>
+              <a:t>, </a:t>
+            </a:r>
+            <a:r>
+              <a:rPr lang="en-US" sz="3200" dirty="0">
+                <a:highlight>
+                  <a:srgbClr val="FFFFFF"/>
+                </a:highlight>
+                <a:latin typeface="Courier New" pitchFamily="49" charset="0"/>
+                <a:cs typeface="Courier New" pitchFamily="49" charset="0"/>
+              </a:rPr>
+              <a:t>x1)</a:t>
+            </a:r>
+          </a:p>
+          <a:p>
+            <a:r>
+              <a:rPr lang="en-US" sz="3200" dirty="0">
+                <a:highlight>
+                  <a:srgbClr val="FFFFFF"/>
+                </a:highlight>
+                <a:latin typeface="Courier New" pitchFamily="49" charset="0"/>
+                <a:cs typeface="Courier New" pitchFamily="49" charset="0"/>
+              </a:rPr>
+              <a:t>...     print(</a:t>
+            </a:r>
+            <a:r>
+              <a:rPr lang="en-US" sz="3200" dirty="0" smtClean="0">
+                <a:solidFill>
+                  <a:srgbClr val="A31515"/>
+                </a:solidFill>
+                <a:highlight>
+                  <a:srgbClr val="FFFFFF"/>
+                </a:highlight>
+                <a:latin typeface="Courier New" pitchFamily="49" charset="0"/>
+                <a:cs typeface="Courier New" pitchFamily="49" charset="0"/>
+              </a:rPr>
+              <a:t>'x2 ='</a:t>
+            </a:r>
+            <a:r>
+              <a:rPr lang="en-US" sz="3200" dirty="0" smtClean="0">
+                <a:highlight>
+                  <a:srgbClr val="FFFFFF"/>
+                </a:highlight>
+                <a:latin typeface="Courier New" pitchFamily="49" charset="0"/>
+                <a:cs typeface="Courier New" pitchFamily="49" charset="0"/>
+              </a:rPr>
+              <a:t>, </a:t>
+            </a:r>
+            <a:r>
+              <a:rPr lang="en-US" sz="3200" dirty="0">
+                <a:highlight>
+                  <a:srgbClr val="FFFFFF"/>
+                </a:highlight>
+                <a:latin typeface="Courier New" pitchFamily="49" charset="0"/>
+                <a:cs typeface="Courier New" pitchFamily="49" charset="0"/>
+              </a:rPr>
+              <a:t>x2)</a:t>
+            </a:r>
+          </a:p>
+          <a:p>
+            <a:r>
+              <a:rPr lang="ru-RU" sz="3200" dirty="0">
+                <a:highlight>
+                  <a:srgbClr val="FFFFFF"/>
+                </a:highlight>
+                <a:latin typeface="Courier New" pitchFamily="49" charset="0"/>
+                <a:cs typeface="Courier New" pitchFamily="49" charset="0"/>
+              </a:rPr>
+              <a:t>... </a:t>
+            </a:r>
+          </a:p>
+          <a:p>
+            <a:r>
+              <a:rPr lang="en-US" sz="3200" dirty="0" smtClean="0">
+                <a:highlight>
+                  <a:srgbClr val="FFFFFF"/>
+                </a:highlight>
+                <a:latin typeface="Courier New" pitchFamily="49" charset="0"/>
+                <a:cs typeface="Courier New" pitchFamily="49" charset="0"/>
+              </a:rPr>
+              <a:t>&gt;&gt;&gt; </a:t>
+            </a:r>
+            <a:r>
+              <a:rPr lang="en-US" sz="3200" dirty="0" err="1">
+                <a:solidFill>
+                  <a:srgbClr val="FF00FF"/>
+                </a:solidFill>
+                <a:highlight>
+                  <a:srgbClr val="FFFFFF"/>
+                </a:highlight>
+                <a:latin typeface="Courier New" pitchFamily="49" charset="0"/>
+                <a:cs typeface="Courier New" pitchFamily="49" charset="0"/>
+              </a:rPr>
+              <a:t>solve_equation</a:t>
+            </a:r>
+            <a:r>
+              <a:rPr lang="en-US" sz="3200" dirty="0">
+                <a:highlight>
+                  <a:srgbClr val="FFFFFF"/>
+                </a:highlight>
+                <a:latin typeface="Courier New" pitchFamily="49" charset="0"/>
+                <a:cs typeface="Courier New" pitchFamily="49" charset="0"/>
+              </a:rPr>
+              <a:t>(</a:t>
+            </a:r>
+            <a:r>
+              <a:rPr lang="en-US" sz="3200" dirty="0">
+                <a:solidFill>
+                  <a:srgbClr val="FFC000"/>
+                </a:solidFill>
+                <a:highlight>
+                  <a:srgbClr val="FFFFFF"/>
+                </a:highlight>
+                <a:latin typeface="Courier New" pitchFamily="49" charset="0"/>
+                <a:cs typeface="Courier New" pitchFamily="49" charset="0"/>
+              </a:rPr>
+              <a:t>2</a:t>
+            </a:r>
+            <a:r>
+              <a:rPr lang="en-US" sz="3200" dirty="0">
+                <a:highlight>
+                  <a:srgbClr val="FFFFFF"/>
+                </a:highlight>
+                <a:latin typeface="Courier New" pitchFamily="49" charset="0"/>
+                <a:cs typeface="Courier New" pitchFamily="49" charset="0"/>
+              </a:rPr>
+              <a:t>, </a:t>
+            </a:r>
+            <a:r>
+              <a:rPr lang="en-US" sz="3200" dirty="0">
+                <a:solidFill>
+                  <a:srgbClr val="00B050"/>
+                </a:solidFill>
+                <a:highlight>
+                  <a:srgbClr val="FFFFFF"/>
+                </a:highlight>
+                <a:latin typeface="Courier New" pitchFamily="49" charset="0"/>
+                <a:cs typeface="Courier New" pitchFamily="49" charset="0"/>
+              </a:rPr>
+              <a:t>3</a:t>
+            </a:r>
+            <a:r>
+              <a:rPr lang="en-US" sz="3200" dirty="0">
+                <a:highlight>
+                  <a:srgbClr val="FFFFFF"/>
+                </a:highlight>
+                <a:latin typeface="Courier New" pitchFamily="49" charset="0"/>
+                <a:cs typeface="Courier New" pitchFamily="49" charset="0"/>
+              </a:rPr>
+              <a:t>, </a:t>
+            </a:r>
+            <a:r>
+              <a:rPr lang="en-US" sz="3200" dirty="0">
+                <a:solidFill>
+                  <a:srgbClr val="7030A0"/>
+                </a:solidFill>
+                <a:highlight>
+                  <a:srgbClr val="FFFFFF"/>
+                </a:highlight>
+                <a:latin typeface="Courier New" pitchFamily="49" charset="0"/>
+                <a:cs typeface="Courier New" pitchFamily="49" charset="0"/>
+              </a:rPr>
+              <a:t>1</a:t>
+            </a:r>
+            <a:r>
+              <a:rPr lang="en-US" sz="3200" dirty="0">
+                <a:highlight>
+                  <a:srgbClr val="FFFFFF"/>
+                </a:highlight>
+                <a:latin typeface="Courier New" pitchFamily="49" charset="0"/>
+                <a:cs typeface="Courier New" pitchFamily="49" charset="0"/>
+              </a:rPr>
+              <a:t>)</a:t>
+            </a:r>
+          </a:p>
+          <a:p>
+            <a:r>
+              <a:rPr lang="en-US" sz="3200" dirty="0">
+                <a:highlight>
+                  <a:srgbClr val="FFFFFF"/>
+                </a:highlight>
+                <a:latin typeface="Courier New" pitchFamily="49" charset="0"/>
+                <a:cs typeface="Courier New" pitchFamily="49" charset="0"/>
+              </a:rPr>
+              <a:t>x</a:t>
+            </a:r>
+            <a:r>
+              <a:rPr lang="en-US" sz="3200" dirty="0" smtClean="0">
+                <a:highlight>
+                  <a:srgbClr val="FFFFFF"/>
+                </a:highlight>
+                <a:latin typeface="Courier New" pitchFamily="49" charset="0"/>
+                <a:cs typeface="Courier New" pitchFamily="49" charset="0"/>
+              </a:rPr>
+              <a:t>1 = </a:t>
+            </a:r>
+            <a:r>
+              <a:rPr lang="en-US" sz="3200" dirty="0">
+                <a:highlight>
+                  <a:srgbClr val="FFFFFF"/>
+                </a:highlight>
+                <a:latin typeface="Courier New" pitchFamily="49" charset="0"/>
+                <a:cs typeface="Courier New" pitchFamily="49" charset="0"/>
+              </a:rPr>
+              <a:t>-0.5</a:t>
+            </a:r>
+          </a:p>
+          <a:p>
+            <a:r>
+              <a:rPr lang="en-US" sz="3200" dirty="0">
+                <a:highlight>
+                  <a:srgbClr val="FFFFFF"/>
+                </a:highlight>
+                <a:latin typeface="Courier New" pitchFamily="49" charset="0"/>
+                <a:cs typeface="Courier New" pitchFamily="49" charset="0"/>
+              </a:rPr>
+              <a:t>x</a:t>
+            </a:r>
+            <a:r>
+              <a:rPr lang="en-US" sz="3200" dirty="0" smtClean="0">
+                <a:highlight>
+                  <a:srgbClr val="FFFFFF"/>
+                </a:highlight>
+                <a:latin typeface="Courier New" pitchFamily="49" charset="0"/>
+                <a:cs typeface="Courier New" pitchFamily="49" charset="0"/>
+              </a:rPr>
+              <a:t>2 = </a:t>
+            </a:r>
+            <a:r>
+              <a:rPr lang="en-US" sz="3200" dirty="0">
+                <a:highlight>
+                  <a:srgbClr val="FFFFFF"/>
+                </a:highlight>
+                <a:latin typeface="Courier New" pitchFamily="49" charset="0"/>
+                <a:cs typeface="Courier New" pitchFamily="49" charset="0"/>
+              </a:rPr>
+              <a:t>-1.0</a:t>
+            </a:r>
+            <a:endParaRPr lang="ru-RU" sz="3200" dirty="0">
+              <a:latin typeface="Courier New" pitchFamily="49" charset="0"/>
+              <a:cs typeface="Courier New" pitchFamily="49" charset="0"/>
+            </a:endParaRPr>
           </a:p>
         </p:txBody>
       </p:sp>
     </p:spTree>
     <p:extLst>
       <p:ext uri="{BB962C8B-B14F-4D97-AF65-F5344CB8AC3E}">
-        <p14:creationId xmlns:p14="http://schemas.microsoft.com/office/powerpoint/2010/main" val="4148933920"/>
+        <p14:creationId xmlns:p14="http://schemas.microsoft.com/office/powerpoint/2010/main" val="2793746491"/>
       </p:ext>
     </p:extLst>
   </p:cSld>
@@ -17505,23 +20166,34 @@
           </a:bodyPr>
           <a:lstStyle/>
           <a:p>
-            <a:pPr lvl="0">
+            <a:pPr marL="0" marR="0" lvl="0" indent="0" algn="ctr" rtl="0">
+              <a:lnSpc>
+                <a:spcPct val="100000"/>
+              </a:lnSpc>
+              <a:spcBef>
+                <a:spcPts val="0"/>
+              </a:spcBef>
+              <a:spcAft>
+                <a:spcPts val="0"/>
+              </a:spcAft>
               <a:buClr>
                 <a:schemeClr val="lt1"/>
               </a:buClr>
               <a:buSzPct val="25000"/>
+              <a:buFont typeface="Cabin"/>
+              <a:buNone/>
             </a:pPr>
             <a:r>
-              <a:rPr lang="ru-RU" sz="6600" dirty="0" smtClean="0"/>
-              <a:t>Переменное количество </a:t>
-            </a:r>
-            <a:r>
-              <a:rPr lang="ru-RU" sz="6600" dirty="0" err="1" smtClean="0"/>
-              <a:t>именнованных</a:t>
-            </a:r>
-            <a:r>
-              <a:rPr lang="ru-RU" sz="6600" dirty="0" smtClean="0"/>
-              <a:t> аргументов</a:t>
+              <a:rPr lang="ru-RU" sz="6600" dirty="0" smtClean="0">
+                <a:solidFill>
+                  <a:schemeClr val="bg2"/>
+                </a:solidFill>
+                <a:latin typeface="Cabin"/>
+                <a:ea typeface="Cabin"/>
+                <a:cs typeface="Cabin"/>
+                <a:sym typeface="Cabin"/>
+              </a:rPr>
+              <a:t>Локальная и глобальная области видимости</a:t>
             </a:r>
             <a:endParaRPr lang="en-US" sz="6600" dirty="0">
               <a:solidFill>
@@ -17592,38 +20264,10 @@
           </a:p>
         </p:txBody>
       </p:sp>
-      <p:sp>
-        <p:nvSpPr>
-          <p:cNvPr id="2" name="Прямоугольник 1"/>
-          <p:cNvSpPr/>
-          <p:nvPr/>
-        </p:nvSpPr>
-        <p:spPr>
-          <a:xfrm>
-            <a:off x="863600" y="3091190"/>
-            <a:ext cx="14490700" cy="1077218"/>
-          </a:xfrm>
-          <a:prstGeom prst="rect">
-            <a:avLst/>
-          </a:prstGeom>
-        </p:spPr>
-        <p:txBody>
-          <a:bodyPr wrap="square">
-            <a:spAutoFit/>
-          </a:bodyPr>
-          <a:lstStyle/>
-          <a:p>
-            <a:r>
-              <a:rPr lang="ru-RU" sz="3200" dirty="0"/>
-              <a:t>Функция может принимать и произвольное число именованных аргументов, тогда перед именем ставится **:</a:t>
-            </a:r>
-          </a:p>
-        </p:txBody>
-      </p:sp>
     </p:spTree>
     <p:extLst>
       <p:ext uri="{BB962C8B-B14F-4D97-AF65-F5344CB8AC3E}">
-        <p14:creationId xmlns:p14="http://schemas.microsoft.com/office/powerpoint/2010/main" val="1973144370"/>
+        <p14:creationId xmlns:p14="http://schemas.microsoft.com/office/powerpoint/2010/main" val="282937741"/>
       </p:ext>
     </p:extLst>
   </p:cSld>
@@ -17677,7 +20321,7 @@
         </p:nvSpPr>
         <p:spPr>
           <a:xfrm>
-            <a:off x="1155700" y="241300"/>
+            <a:off x="1029750" y="230745"/>
             <a:ext cx="13931900" cy="2298699"/>
           </a:xfrm>
           <a:prstGeom prst="rect">
@@ -17694,34 +20338,15 @@
           </a:bodyPr>
           <a:lstStyle/>
           <a:p>
-            <a:pPr marL="0" marR="0" lvl="0" indent="0" algn="ctr" rtl="0">
-              <a:lnSpc>
-                <a:spcPct val="100000"/>
-              </a:lnSpc>
-              <a:spcBef>
-                <a:spcPts val="0"/>
-              </a:spcBef>
-              <a:spcAft>
-                <a:spcPts val="0"/>
-              </a:spcAft>
+            <a:pPr lvl="0">
               <a:buClr>
                 <a:schemeClr val="lt1"/>
               </a:buClr>
               <a:buSzPct val="25000"/>
-              <a:buFont typeface="Cabin"/>
-              <a:buNone/>
             </a:pPr>
             <a:r>
-              <a:rPr lang="ru-RU" sz="6600" dirty="0" smtClean="0">
-                <a:solidFill>
-                  <a:schemeClr val="bg2"/>
-                </a:solidFill>
-                <a:latin typeface="Cabin"/>
-                <a:ea typeface="Cabin"/>
-                <a:cs typeface="Cabin"/>
-                <a:sym typeface="Cabin"/>
-              </a:rPr>
-              <a:t>Функция как объект</a:t>
+              <a:rPr lang="ru-RU" sz="6600" dirty="0" smtClean="0"/>
+              <a:t>Написать функцию с переменным количеством аргументов</a:t>
             </a:r>
             <a:endParaRPr lang="en-US" sz="6600" dirty="0">
               <a:solidFill>
@@ -17795,7 +20420,7 @@
     </p:spTree>
     <p:extLst>
       <p:ext uri="{BB962C8B-B14F-4D97-AF65-F5344CB8AC3E}">
-        <p14:creationId xmlns:p14="http://schemas.microsoft.com/office/powerpoint/2010/main" val="3047442907"/>
+        <p14:creationId xmlns:p14="http://schemas.microsoft.com/office/powerpoint/2010/main" val="3910730354"/>
       </p:ext>
     </p:extLst>
   </p:cSld>
@@ -17849,7 +20474,7 @@
         </p:nvSpPr>
         <p:spPr>
           <a:xfrm>
-            <a:off x="1155700" y="241300"/>
+            <a:off x="1029750" y="230745"/>
             <a:ext cx="13931900" cy="2298699"/>
           </a:xfrm>
           <a:prstGeom prst="rect">
@@ -17866,34 +20491,15 @@
           </a:bodyPr>
           <a:lstStyle/>
           <a:p>
-            <a:pPr marL="0" marR="0" lvl="0" indent="0" algn="ctr" rtl="0">
-              <a:lnSpc>
-                <a:spcPct val="100000"/>
-              </a:lnSpc>
-              <a:spcBef>
-                <a:spcPts val="0"/>
-              </a:spcBef>
-              <a:spcAft>
-                <a:spcPts val="0"/>
-              </a:spcAft>
+            <a:pPr lvl="0">
               <a:buClr>
                 <a:schemeClr val="lt1"/>
               </a:buClr>
               <a:buSzPct val="25000"/>
-              <a:buFont typeface="Cabin"/>
-              <a:buNone/>
             </a:pPr>
             <a:r>
-              <a:rPr lang="ru-RU" sz="6600" dirty="0" smtClean="0">
-                <a:solidFill>
-                  <a:schemeClr val="bg2"/>
-                </a:solidFill>
-                <a:latin typeface="Cabin"/>
-                <a:ea typeface="Cabin"/>
-                <a:cs typeface="Cabin"/>
-                <a:sym typeface="Cabin"/>
-              </a:rPr>
-              <a:t>Передача функции как аргумента функции</a:t>
+              <a:rPr lang="ru-RU" sz="6600" dirty="0" smtClean="0"/>
+              <a:t>Написать функцию с переменным количеством аргументов</a:t>
             </a:r>
             <a:endParaRPr lang="en-US" sz="6600" dirty="0">
               <a:solidFill>
@@ -17964,10 +20570,619 @@
           </a:p>
         </p:txBody>
       </p:sp>
+      <p:sp>
+        <p:nvSpPr>
+          <p:cNvPr id="3" name="Прямоугольник 2"/>
+          <p:cNvSpPr/>
+          <p:nvPr/>
+        </p:nvSpPr>
+        <p:spPr>
+          <a:xfrm>
+            <a:off x="3200503" y="2499030"/>
+            <a:ext cx="9504516" cy="6555641"/>
+          </a:xfrm>
+          <a:prstGeom prst="rect">
+            <a:avLst/>
+          </a:prstGeom>
+        </p:spPr>
+        <p:txBody>
+          <a:bodyPr wrap="square">
+            <a:spAutoFit/>
+          </a:bodyPr>
+          <a:lstStyle/>
+          <a:p>
+            <a:r>
+              <a:rPr lang="pt-BR" sz="2000" dirty="0">
+                <a:highlight>
+                  <a:srgbClr val="FFFFFF"/>
+                </a:highlight>
+                <a:latin typeface="Consolas"/>
+              </a:rPr>
+              <a:t>&gt;&gt;&gt; </a:t>
+            </a:r>
+            <a:r>
+              <a:rPr lang="pt-BR" sz="2000" dirty="0">
+                <a:solidFill>
+                  <a:srgbClr val="0000FF"/>
+                </a:solidFill>
+                <a:highlight>
+                  <a:srgbClr val="FFFFFF"/>
+                </a:highlight>
+                <a:latin typeface="Consolas"/>
+              </a:rPr>
+              <a:t>def</a:t>
+            </a:r>
+            <a:r>
+              <a:rPr lang="pt-BR" sz="2000" dirty="0">
+                <a:highlight>
+                  <a:srgbClr val="FFFFFF"/>
+                </a:highlight>
+                <a:latin typeface="Consolas"/>
+              </a:rPr>
+              <a:t> </a:t>
+            </a:r>
+            <a:r>
+              <a:rPr lang="pt-BR" sz="2000" dirty="0" smtClean="0">
+                <a:highlight>
+                  <a:srgbClr val="FFFFFF"/>
+                </a:highlight>
+                <a:latin typeface="Consolas"/>
+              </a:rPr>
+              <a:t>sum_nums(a </a:t>
+            </a:r>
+            <a:r>
+              <a:rPr lang="pt-BR" sz="2000" dirty="0">
+                <a:highlight>
+                  <a:srgbClr val="FFFFFF"/>
+                </a:highlight>
+                <a:latin typeface="Consolas"/>
+              </a:rPr>
+              <a:t>= 0, b = 0, c = 0, d = 0, e = 0, f = 0):</a:t>
+            </a:r>
+          </a:p>
+          <a:p>
+            <a:r>
+              <a:rPr lang="en-US" sz="2000" dirty="0">
+                <a:highlight>
+                  <a:srgbClr val="FFFFFF"/>
+                </a:highlight>
+                <a:latin typeface="Consolas"/>
+              </a:rPr>
+              <a:t>...     </a:t>
+            </a:r>
+            <a:r>
+              <a:rPr lang="en-US" sz="2000" dirty="0">
+                <a:solidFill>
+                  <a:srgbClr val="0000FF"/>
+                </a:solidFill>
+                <a:highlight>
+                  <a:srgbClr val="FFFFFF"/>
+                </a:highlight>
+                <a:latin typeface="Consolas"/>
+              </a:rPr>
+              <a:t>return</a:t>
+            </a:r>
+            <a:r>
+              <a:rPr lang="en-US" sz="2000" dirty="0">
+                <a:highlight>
+                  <a:srgbClr val="FFFFFF"/>
+                </a:highlight>
+                <a:latin typeface="Consolas"/>
+              </a:rPr>
+              <a:t> a + b + c + d + e + f</a:t>
+            </a:r>
+          </a:p>
+          <a:p>
+            <a:r>
+              <a:rPr lang="ru-RU" sz="2000" dirty="0">
+                <a:highlight>
+                  <a:srgbClr val="FFFFFF"/>
+                </a:highlight>
+                <a:latin typeface="Consolas"/>
+              </a:rPr>
+              <a:t>... </a:t>
+            </a:r>
+          </a:p>
+          <a:p>
+            <a:r>
+              <a:rPr lang="en-US" sz="2000" dirty="0">
+                <a:highlight>
+                  <a:srgbClr val="FFFFFF"/>
+                </a:highlight>
+                <a:latin typeface="Consolas"/>
+              </a:rPr>
+              <a:t>&gt;&gt;&gt; </a:t>
+            </a:r>
+            <a:r>
+              <a:rPr lang="en-US" sz="2000" dirty="0" smtClean="0">
+                <a:highlight>
+                  <a:srgbClr val="FFFFFF"/>
+                </a:highlight>
+                <a:latin typeface="Consolas"/>
+              </a:rPr>
+              <a:t>sum</a:t>
+            </a:r>
+            <a:r>
+              <a:rPr lang="pt-BR" sz="2000" dirty="0" smtClean="0">
+                <a:highlight>
+                  <a:srgbClr val="FFFFFF"/>
+                </a:highlight>
+                <a:latin typeface="Consolas"/>
+              </a:rPr>
+              <a:t>_nums</a:t>
+            </a:r>
+            <a:r>
+              <a:rPr lang="en-US" sz="2000" dirty="0" smtClean="0">
+                <a:highlight>
+                  <a:srgbClr val="FFFFFF"/>
+                </a:highlight>
+                <a:latin typeface="Consolas"/>
+              </a:rPr>
+              <a:t>()</a:t>
+            </a:r>
+            <a:endParaRPr lang="en-US" sz="2000" dirty="0">
+              <a:highlight>
+                <a:srgbClr val="FFFFFF"/>
+              </a:highlight>
+              <a:latin typeface="Consolas"/>
+            </a:endParaRPr>
+          </a:p>
+          <a:p>
+            <a:r>
+              <a:rPr lang="ru-RU" sz="2000" dirty="0">
+                <a:highlight>
+                  <a:srgbClr val="FFFFFF"/>
+                </a:highlight>
+                <a:latin typeface="Consolas"/>
+              </a:rPr>
+              <a:t>0</a:t>
+            </a:r>
+          </a:p>
+          <a:p>
+            <a:r>
+              <a:rPr lang="en-US" sz="2000" dirty="0">
+                <a:highlight>
+                  <a:srgbClr val="FFFFFF"/>
+                </a:highlight>
+                <a:latin typeface="Consolas"/>
+              </a:rPr>
+              <a:t>&gt;&gt;&gt; </a:t>
+            </a:r>
+            <a:r>
+              <a:rPr lang="en-US" sz="2000" dirty="0" smtClean="0">
+                <a:highlight>
+                  <a:srgbClr val="FFFFFF"/>
+                </a:highlight>
+                <a:latin typeface="Consolas"/>
+              </a:rPr>
+              <a:t>sum</a:t>
+            </a:r>
+            <a:r>
+              <a:rPr lang="pt-BR" sz="2000" dirty="0" smtClean="0">
+                <a:highlight>
+                  <a:srgbClr val="FFFFFF"/>
+                </a:highlight>
+                <a:latin typeface="Consolas"/>
+              </a:rPr>
+              <a:t>_nums</a:t>
+            </a:r>
+            <a:r>
+              <a:rPr lang="en-US" sz="2000" dirty="0" smtClean="0">
+                <a:highlight>
+                  <a:srgbClr val="FFFFFF"/>
+                </a:highlight>
+                <a:latin typeface="Consolas"/>
+              </a:rPr>
+              <a:t>(10</a:t>
+            </a:r>
+            <a:r>
+              <a:rPr lang="en-US" sz="2000" dirty="0">
+                <a:highlight>
+                  <a:srgbClr val="FFFFFF"/>
+                </a:highlight>
+                <a:latin typeface="Consolas"/>
+              </a:rPr>
+              <a:t>)</a:t>
+            </a:r>
+          </a:p>
+          <a:p>
+            <a:r>
+              <a:rPr lang="ru-RU" sz="2000" dirty="0">
+                <a:highlight>
+                  <a:srgbClr val="FFFFFF"/>
+                </a:highlight>
+                <a:latin typeface="Consolas"/>
+              </a:rPr>
+              <a:t>10</a:t>
+            </a:r>
+          </a:p>
+          <a:p>
+            <a:r>
+              <a:rPr lang="en-US" sz="2000" dirty="0">
+                <a:highlight>
+                  <a:srgbClr val="FFFFFF"/>
+                </a:highlight>
+                <a:latin typeface="Consolas"/>
+              </a:rPr>
+              <a:t>&gt;&gt;&gt; </a:t>
+            </a:r>
+            <a:r>
+              <a:rPr lang="en-US" sz="2000" dirty="0" smtClean="0">
+                <a:highlight>
+                  <a:srgbClr val="FFFFFF"/>
+                </a:highlight>
+                <a:latin typeface="Consolas"/>
+              </a:rPr>
+              <a:t>sum</a:t>
+            </a:r>
+            <a:r>
+              <a:rPr lang="pt-BR" sz="2000" dirty="0" smtClean="0">
+                <a:highlight>
+                  <a:srgbClr val="FFFFFF"/>
+                </a:highlight>
+                <a:latin typeface="Consolas"/>
+              </a:rPr>
+              <a:t>_nums</a:t>
+            </a:r>
+            <a:r>
+              <a:rPr lang="en-US" sz="2000" dirty="0" smtClean="0">
+                <a:highlight>
+                  <a:srgbClr val="FFFFFF"/>
+                </a:highlight>
+                <a:latin typeface="Consolas"/>
+              </a:rPr>
+              <a:t>(10</a:t>
+            </a:r>
+            <a:r>
+              <a:rPr lang="en-US" sz="2000" dirty="0">
+                <a:highlight>
+                  <a:srgbClr val="FFFFFF"/>
+                </a:highlight>
+                <a:latin typeface="Consolas"/>
+              </a:rPr>
+              <a:t>, 20)</a:t>
+            </a:r>
+          </a:p>
+          <a:p>
+            <a:r>
+              <a:rPr lang="ru-RU" sz="2000" dirty="0">
+                <a:highlight>
+                  <a:srgbClr val="FFFFFF"/>
+                </a:highlight>
+                <a:latin typeface="Consolas"/>
+              </a:rPr>
+              <a:t>30</a:t>
+            </a:r>
+          </a:p>
+          <a:p>
+            <a:r>
+              <a:rPr lang="en-US" sz="2000" dirty="0">
+                <a:highlight>
+                  <a:srgbClr val="FFFFFF"/>
+                </a:highlight>
+                <a:latin typeface="Consolas"/>
+              </a:rPr>
+              <a:t>&gt;&gt;&gt; </a:t>
+            </a:r>
+            <a:r>
+              <a:rPr lang="en-US" sz="2000" dirty="0" smtClean="0">
+                <a:highlight>
+                  <a:srgbClr val="FFFFFF"/>
+                </a:highlight>
+                <a:latin typeface="Consolas"/>
+              </a:rPr>
+              <a:t>sum</a:t>
+            </a:r>
+            <a:r>
+              <a:rPr lang="pt-BR" sz="2000" dirty="0" smtClean="0">
+                <a:highlight>
+                  <a:srgbClr val="FFFFFF"/>
+                </a:highlight>
+                <a:latin typeface="Consolas"/>
+              </a:rPr>
+              <a:t>_nums</a:t>
+            </a:r>
+            <a:r>
+              <a:rPr lang="en-US" sz="2000" dirty="0" smtClean="0">
+                <a:highlight>
+                  <a:srgbClr val="FFFFFF"/>
+                </a:highlight>
+                <a:latin typeface="Consolas"/>
+              </a:rPr>
+              <a:t>(10</a:t>
+            </a:r>
+            <a:r>
+              <a:rPr lang="en-US" sz="2000" dirty="0">
+                <a:highlight>
+                  <a:srgbClr val="FFFFFF"/>
+                </a:highlight>
+                <a:latin typeface="Consolas"/>
+              </a:rPr>
+              <a:t>, 20, 30, 40)</a:t>
+            </a:r>
+          </a:p>
+          <a:p>
+            <a:r>
+              <a:rPr lang="ru-RU" sz="2000" dirty="0">
+                <a:highlight>
+                  <a:srgbClr val="FFFFFF"/>
+                </a:highlight>
+                <a:latin typeface="Consolas"/>
+              </a:rPr>
+              <a:t>100</a:t>
+            </a:r>
+          </a:p>
+          <a:p>
+            <a:r>
+              <a:rPr lang="en-US" sz="2000" dirty="0">
+                <a:highlight>
+                  <a:srgbClr val="FFFFFF"/>
+                </a:highlight>
+                <a:latin typeface="Consolas"/>
+              </a:rPr>
+              <a:t>&gt;&gt;&gt; </a:t>
+            </a:r>
+            <a:r>
+              <a:rPr lang="en-US" sz="2000" dirty="0" smtClean="0">
+                <a:highlight>
+                  <a:srgbClr val="FFFFFF"/>
+                </a:highlight>
+                <a:latin typeface="Consolas"/>
+              </a:rPr>
+              <a:t>sum</a:t>
+            </a:r>
+            <a:r>
+              <a:rPr lang="pt-BR" sz="2000" dirty="0" smtClean="0">
+                <a:highlight>
+                  <a:srgbClr val="FFFFFF"/>
+                </a:highlight>
+                <a:latin typeface="Consolas"/>
+              </a:rPr>
+              <a:t>_nums</a:t>
+            </a:r>
+            <a:r>
+              <a:rPr lang="en-US" sz="2000" dirty="0" smtClean="0">
+                <a:highlight>
+                  <a:srgbClr val="FFFFFF"/>
+                </a:highlight>
+                <a:latin typeface="Consolas"/>
+              </a:rPr>
+              <a:t>(10</a:t>
+            </a:r>
+            <a:r>
+              <a:rPr lang="en-US" sz="2000" dirty="0">
+                <a:highlight>
+                  <a:srgbClr val="FFFFFF"/>
+                </a:highlight>
+                <a:latin typeface="Consolas"/>
+              </a:rPr>
+              <a:t>, 20, 30, 40, 50)</a:t>
+            </a:r>
+          </a:p>
+          <a:p>
+            <a:r>
+              <a:rPr lang="ru-RU" sz="2000" dirty="0">
+                <a:highlight>
+                  <a:srgbClr val="FFFFFF"/>
+                </a:highlight>
+                <a:latin typeface="Consolas"/>
+              </a:rPr>
+              <a:t>150</a:t>
+            </a:r>
+          </a:p>
+          <a:p>
+            <a:r>
+              <a:rPr lang="en-US" sz="2000" dirty="0">
+                <a:highlight>
+                  <a:srgbClr val="FFFFFF"/>
+                </a:highlight>
+                <a:latin typeface="Consolas"/>
+              </a:rPr>
+              <a:t>&gt;&gt;&gt; </a:t>
+            </a:r>
+            <a:r>
+              <a:rPr lang="en-US" sz="2000" dirty="0" smtClean="0">
+                <a:highlight>
+                  <a:srgbClr val="FFFFFF"/>
+                </a:highlight>
+                <a:latin typeface="Consolas"/>
+              </a:rPr>
+              <a:t>sum</a:t>
+            </a:r>
+            <a:r>
+              <a:rPr lang="pt-BR" sz="2000" dirty="0" smtClean="0">
+                <a:highlight>
+                  <a:srgbClr val="FFFFFF"/>
+                </a:highlight>
+                <a:latin typeface="Consolas"/>
+              </a:rPr>
+              <a:t>_nums</a:t>
+            </a:r>
+            <a:r>
+              <a:rPr lang="en-US" sz="2000" dirty="0" smtClean="0">
+                <a:highlight>
+                  <a:srgbClr val="FFFFFF"/>
+                </a:highlight>
+                <a:latin typeface="Consolas"/>
+              </a:rPr>
+              <a:t>(10</a:t>
+            </a:r>
+            <a:r>
+              <a:rPr lang="en-US" sz="2000" dirty="0">
+                <a:highlight>
+                  <a:srgbClr val="FFFFFF"/>
+                </a:highlight>
+                <a:latin typeface="Consolas"/>
+              </a:rPr>
+              <a:t>, 20, 30, 40, 50, 60)</a:t>
+            </a:r>
+          </a:p>
+          <a:p>
+            <a:r>
+              <a:rPr lang="ru-RU" sz="2000" dirty="0">
+                <a:highlight>
+                  <a:srgbClr val="FFFFFF"/>
+                </a:highlight>
+                <a:latin typeface="Consolas"/>
+              </a:rPr>
+              <a:t>210</a:t>
+            </a:r>
+          </a:p>
+          <a:p>
+            <a:r>
+              <a:rPr lang="en-US" sz="2000" dirty="0">
+                <a:highlight>
+                  <a:srgbClr val="FFFFFF"/>
+                </a:highlight>
+                <a:latin typeface="Consolas"/>
+              </a:rPr>
+              <a:t>&gt;&gt;&gt; </a:t>
+            </a:r>
+            <a:r>
+              <a:rPr lang="en-US" sz="2000" dirty="0" smtClean="0">
+                <a:highlight>
+                  <a:srgbClr val="FFFFFF"/>
+                </a:highlight>
+                <a:latin typeface="Consolas"/>
+              </a:rPr>
+              <a:t>sum</a:t>
+            </a:r>
+            <a:r>
+              <a:rPr lang="pt-BR" sz="2000" dirty="0" smtClean="0">
+                <a:highlight>
+                  <a:srgbClr val="FFFFFF"/>
+                </a:highlight>
+                <a:latin typeface="Consolas"/>
+              </a:rPr>
+              <a:t>_nums</a:t>
+            </a:r>
+            <a:r>
+              <a:rPr lang="en-US" sz="2000" dirty="0" smtClean="0">
+                <a:highlight>
+                  <a:srgbClr val="FFFFFF"/>
+                </a:highlight>
+                <a:latin typeface="Consolas"/>
+              </a:rPr>
+              <a:t>(10</a:t>
+            </a:r>
+            <a:r>
+              <a:rPr lang="en-US" sz="2000" dirty="0">
+                <a:highlight>
+                  <a:srgbClr val="FFFFFF"/>
+                </a:highlight>
+                <a:latin typeface="Consolas"/>
+              </a:rPr>
+              <a:t>, 20, 30, 40, 50, 60, 70)</a:t>
+            </a:r>
+          </a:p>
+          <a:p>
+            <a:r>
+              <a:rPr lang="en-US" sz="2000" dirty="0" err="1">
+                <a:solidFill>
+                  <a:srgbClr val="FF0000"/>
+                </a:solidFill>
+                <a:highlight>
+                  <a:srgbClr val="FFFFFF"/>
+                </a:highlight>
+                <a:latin typeface="Consolas"/>
+              </a:rPr>
+              <a:t>Traceback</a:t>
+            </a:r>
+            <a:r>
+              <a:rPr lang="en-US" sz="2000" dirty="0">
+                <a:solidFill>
+                  <a:srgbClr val="FF0000"/>
+                </a:solidFill>
+                <a:highlight>
+                  <a:srgbClr val="FFFFFF"/>
+                </a:highlight>
+                <a:latin typeface="Consolas"/>
+              </a:rPr>
+              <a:t> (most recent call last):</a:t>
+            </a:r>
+          </a:p>
+          <a:p>
+            <a:r>
+              <a:rPr lang="en-US" sz="2000" dirty="0">
+                <a:solidFill>
+                  <a:srgbClr val="FF0000"/>
+                </a:solidFill>
+                <a:highlight>
+                  <a:srgbClr val="FFFFFF"/>
+                </a:highlight>
+                <a:latin typeface="Consolas"/>
+              </a:rPr>
+              <a:t>  File "&lt;</a:t>
+            </a:r>
+            <a:r>
+              <a:rPr lang="en-US" sz="2000" dirty="0" err="1">
+                <a:solidFill>
+                  <a:srgbClr val="FF0000"/>
+                </a:solidFill>
+                <a:highlight>
+                  <a:srgbClr val="FFFFFF"/>
+                </a:highlight>
+                <a:latin typeface="Consolas"/>
+              </a:rPr>
+              <a:t>stdin</a:t>
+            </a:r>
+            <a:r>
+              <a:rPr lang="en-US" sz="2000" dirty="0">
+                <a:solidFill>
+                  <a:srgbClr val="FF0000"/>
+                </a:solidFill>
+                <a:highlight>
+                  <a:srgbClr val="FFFFFF"/>
+                </a:highlight>
+                <a:latin typeface="Consolas"/>
+              </a:rPr>
+              <a:t>&gt;", line 1, in &lt;module&gt;</a:t>
+            </a:r>
+          </a:p>
+          <a:p>
+            <a:r>
+              <a:rPr lang="en-US" sz="2000" dirty="0" err="1">
+                <a:solidFill>
+                  <a:srgbClr val="FF0000"/>
+                </a:solidFill>
+                <a:highlight>
+                  <a:srgbClr val="FFFFFF"/>
+                </a:highlight>
+                <a:latin typeface="Consolas"/>
+              </a:rPr>
+              <a:t>TypeError</a:t>
+            </a:r>
+            <a:r>
+              <a:rPr lang="en-US" sz="2000" dirty="0">
+                <a:solidFill>
+                  <a:srgbClr val="FF0000"/>
+                </a:solidFill>
+                <a:highlight>
+                  <a:srgbClr val="FFFFFF"/>
+                </a:highlight>
+                <a:latin typeface="Consolas"/>
+              </a:rPr>
+              <a:t>: sum() takes from 0 to 6 positional arguments but 7 were given</a:t>
+            </a:r>
+          </a:p>
+          <a:p>
+            <a:r>
+              <a:rPr lang="ru-RU" sz="2000" dirty="0">
+                <a:highlight>
+                  <a:srgbClr val="FFFFFF"/>
+                </a:highlight>
+                <a:latin typeface="Consolas"/>
+              </a:rPr>
+              <a:t>&gt;&gt;&gt; </a:t>
+            </a:r>
+            <a:endParaRPr lang="ru-RU" sz="2000" dirty="0"/>
+          </a:p>
+        </p:txBody>
+      </p:sp>
     </p:spTree>
     <p:extLst>
       <p:ext uri="{BB962C8B-B14F-4D97-AF65-F5344CB8AC3E}">
-        <p14:creationId xmlns:p14="http://schemas.microsoft.com/office/powerpoint/2010/main" val="1115284895"/>
+        <p14:creationId xmlns:p14="http://schemas.microsoft.com/office/powerpoint/2010/main" val="245710276"/>
       </p:ext>
     </p:extLst>
   </p:cSld>
